--- a/CalendarioAgo2022/presentaciones/21_Matrices.pptx
+++ b/CalendarioAgo2022/presentaciones/21_Matrices.pptx
@@ -226,7 +226,7 @@
           <a:p>
             <a:fld id="{9CE7A054-6D4F-4ED4-B3E7-62AC408CF793}" type="datetimeFigureOut">
               <a:rPr lang="es-MX" smtClean="0"/>
-              <a:t>03/09/2022</a:t>
+              <a:t>04/09/2022</a:t>
             </a:fld>
             <a:endParaRPr lang="es-MX"/>
           </a:p>
@@ -1515,7 +1515,7 @@
           <a:p>
             <a:fld id="{05B1B184-8162-40A9-BCCC-182276235E4C}" type="datetimeFigureOut">
               <a:rPr lang="es-MX" smtClean="0"/>
-              <a:t>03/09/2022</a:t>
+              <a:t>04/09/2022</a:t>
             </a:fld>
             <a:endParaRPr lang="es-MX"/>
           </a:p>
@@ -1685,7 +1685,7 @@
           <a:p>
             <a:fld id="{05B1B184-8162-40A9-BCCC-182276235E4C}" type="datetimeFigureOut">
               <a:rPr lang="es-MX" smtClean="0"/>
-              <a:t>03/09/2022</a:t>
+              <a:t>04/09/2022</a:t>
             </a:fld>
             <a:endParaRPr lang="es-MX"/>
           </a:p>
@@ -1865,7 +1865,7 @@
           <a:p>
             <a:fld id="{05B1B184-8162-40A9-BCCC-182276235E4C}" type="datetimeFigureOut">
               <a:rPr lang="es-MX" smtClean="0"/>
-              <a:t>03/09/2022</a:t>
+              <a:t>04/09/2022</a:t>
             </a:fld>
             <a:endParaRPr lang="es-MX"/>
           </a:p>
@@ -2018,7 +2018,7 @@
           <a:p>
             <a:fld id="{1D8BD707-D9CF-40AE-B4C6-C98DA3205C09}" type="datetimeFigureOut">
               <a:rPr lang="en-US" smtClean="0"/>
-              <a:t>9/3/2022</a:t>
+              <a:t>9/4/2022</a:t>
             </a:fld>
             <a:endParaRPr lang="en-US"/>
           </a:p>
@@ -2178,7 +2178,7 @@
           <a:p>
             <a:fld id="{05B1B184-8162-40A9-BCCC-182276235E4C}" type="datetimeFigureOut">
               <a:rPr lang="es-MX" smtClean="0"/>
-              <a:t>03/09/2022</a:t>
+              <a:t>04/09/2022</a:t>
             </a:fld>
             <a:endParaRPr lang="es-MX"/>
           </a:p>
@@ -2424,7 +2424,7 @@
           <a:p>
             <a:fld id="{05B1B184-8162-40A9-BCCC-182276235E4C}" type="datetimeFigureOut">
               <a:rPr lang="es-MX" smtClean="0"/>
-              <a:t>03/09/2022</a:t>
+              <a:t>04/09/2022</a:t>
             </a:fld>
             <a:endParaRPr lang="es-MX"/>
           </a:p>
@@ -2712,7 +2712,7 @@
           <a:p>
             <a:fld id="{05B1B184-8162-40A9-BCCC-182276235E4C}" type="datetimeFigureOut">
               <a:rPr lang="es-MX" smtClean="0"/>
-              <a:t>03/09/2022</a:t>
+              <a:t>04/09/2022</a:t>
             </a:fld>
             <a:endParaRPr lang="es-MX"/>
           </a:p>
@@ -3134,7 +3134,7 @@
           <a:p>
             <a:fld id="{05B1B184-8162-40A9-BCCC-182276235E4C}" type="datetimeFigureOut">
               <a:rPr lang="es-MX" smtClean="0"/>
-              <a:t>03/09/2022</a:t>
+              <a:t>04/09/2022</a:t>
             </a:fld>
             <a:endParaRPr lang="es-MX"/>
           </a:p>
@@ -3252,7 +3252,7 @@
           <a:p>
             <a:fld id="{05B1B184-8162-40A9-BCCC-182276235E4C}" type="datetimeFigureOut">
               <a:rPr lang="es-MX" smtClean="0"/>
-              <a:t>03/09/2022</a:t>
+              <a:t>04/09/2022</a:t>
             </a:fld>
             <a:endParaRPr lang="es-MX"/>
           </a:p>
@@ -3347,7 +3347,7 @@
           <a:p>
             <a:fld id="{05B1B184-8162-40A9-BCCC-182276235E4C}" type="datetimeFigureOut">
               <a:rPr lang="es-MX" smtClean="0"/>
-              <a:t>03/09/2022</a:t>
+              <a:t>04/09/2022</a:t>
             </a:fld>
             <a:endParaRPr lang="es-MX"/>
           </a:p>
@@ -3624,7 +3624,7 @@
           <a:p>
             <a:fld id="{05B1B184-8162-40A9-BCCC-182276235E4C}" type="datetimeFigureOut">
               <a:rPr lang="es-MX" smtClean="0"/>
-              <a:t>03/09/2022</a:t>
+              <a:t>04/09/2022</a:t>
             </a:fld>
             <a:endParaRPr lang="es-MX"/>
           </a:p>
@@ -3877,7 +3877,7 @@
           <a:p>
             <a:fld id="{05B1B184-8162-40A9-BCCC-182276235E4C}" type="datetimeFigureOut">
               <a:rPr lang="es-MX" smtClean="0"/>
-              <a:t>03/09/2022</a:t>
+              <a:t>04/09/2022</a:t>
             </a:fld>
             <a:endParaRPr lang="es-MX"/>
           </a:p>
@@ -4090,7 +4090,7 @@
           <a:p>
             <a:fld id="{05B1B184-8162-40A9-BCCC-182276235E4C}" type="datetimeFigureOut">
               <a:rPr lang="es-MX" smtClean="0"/>
-              <a:t>03/09/2022</a:t>
+              <a:t>04/09/2022</a:t>
             </a:fld>
             <a:endParaRPr lang="es-MX"/>
           </a:p>

--- a/CalendarioAgo2022/presentaciones/21_Matrices.pptx
+++ b/CalendarioAgo2022/presentaciones/21_Matrices.pptx
@@ -5,7 +5,7 @@
     <p:sldMasterId id="2147483648" r:id="rId1"/>
   </p:sldMasterIdLst>
   <p:notesMasterIdLst>
-    <p:notesMasterId r:id="rId21"/>
+    <p:notesMasterId r:id="rId22"/>
   </p:notesMasterIdLst>
   <p:sldIdLst>
     <p:sldId id="257" r:id="rId2"/>
@@ -19,14 +19,15 @@
     <p:sldId id="740" r:id="rId10"/>
     <p:sldId id="739" r:id="rId11"/>
     <p:sldId id="622" r:id="rId12"/>
-    <p:sldId id="262" r:id="rId13"/>
-    <p:sldId id="275" r:id="rId14"/>
-    <p:sldId id="276" r:id="rId15"/>
-    <p:sldId id="277" r:id="rId16"/>
-    <p:sldId id="278" r:id="rId17"/>
-    <p:sldId id="311" r:id="rId18"/>
-    <p:sldId id="312" r:id="rId19"/>
-    <p:sldId id="282" r:id="rId20"/>
+    <p:sldId id="746" r:id="rId13"/>
+    <p:sldId id="262" r:id="rId14"/>
+    <p:sldId id="275" r:id="rId15"/>
+    <p:sldId id="276" r:id="rId16"/>
+    <p:sldId id="277" r:id="rId17"/>
+    <p:sldId id="278" r:id="rId18"/>
+    <p:sldId id="311" r:id="rId19"/>
+    <p:sldId id="312" r:id="rId20"/>
+    <p:sldId id="282" r:id="rId21"/>
   </p:sldIdLst>
   <p:sldSz cx="9144000" cy="6858000" type="screen4x3"/>
   <p:notesSz cx="6858000" cy="9144000"/>
@@ -226,7 +227,7 @@
           <a:p>
             <a:fld id="{9CE7A054-6D4F-4ED4-B3E7-62AC408CF793}" type="datetimeFigureOut">
               <a:rPr lang="es-MX" smtClean="0"/>
-              <a:t>04/09/2022</a:t>
+              <a:t>07/09/2022</a:t>
             </a:fld>
             <a:endParaRPr lang="es-MX"/>
           </a:p>
@@ -643,7 +644,91 @@
           <a:p>
             <a:fld id="{9C4A5C2F-87B0-4382-B452-9CF1E6F7248D}" type="slidenum">
               <a:rPr lang="es-MX" smtClean="0"/>
-              <a:t>16</a:t>
+              <a:t>14</a:t>
+            </a:fld>
+            <a:endParaRPr lang="es-MX"/>
+          </a:p>
+        </p:txBody>
+      </p:sp>
+    </p:spTree>
+    <p:extLst>
+      <p:ext uri="{BB962C8B-B14F-4D97-AF65-F5344CB8AC3E}">
+        <p14:creationId xmlns:p14="http://schemas.microsoft.com/office/powerpoint/2010/main" val="4241124567"/>
+      </p:ext>
+    </p:extLst>
+  </p:cSld>
+  <p:clrMapOvr>
+    <a:masterClrMapping/>
+  </p:clrMapOvr>
+</p:notes>
+</file>
+
+<file path=ppt/notesSlides/notesSlide11.xml><?xml version="1.0" encoding="utf-8"?>
+<p:notes xmlns:a="http://schemas.openxmlformats.org/drawingml/2006/main" xmlns:r="http://schemas.openxmlformats.org/officeDocument/2006/relationships" xmlns:p="http://schemas.openxmlformats.org/presentationml/2006/main">
+  <p:cSld>
+    <p:spTree>
+      <p:nvGrpSpPr>
+        <p:cNvPr id="1" name=""/>
+        <p:cNvGrpSpPr/>
+        <p:nvPr/>
+      </p:nvGrpSpPr>
+      <p:grpSpPr>
+        <a:xfrm>
+          <a:off x="0" y="0"/>
+          <a:ext cx="0" cy="0"/>
+          <a:chOff x="0" y="0"/>
+          <a:chExt cx="0" cy="0"/>
+        </a:xfrm>
+      </p:grpSpPr>
+      <p:sp>
+        <p:nvSpPr>
+          <p:cNvPr id="2" name="Marcador de imagen de diapositiva 1"/>
+          <p:cNvSpPr>
+            <a:spLocks noGrp="1" noRot="1" noChangeAspect="1"/>
+          </p:cNvSpPr>
+          <p:nvPr>
+            <p:ph type="sldImg"/>
+          </p:nvPr>
+        </p:nvSpPr>
+        <p:spPr/>
+      </p:sp>
+      <p:sp>
+        <p:nvSpPr>
+          <p:cNvPr id="3" name="Marcador de notas 2"/>
+          <p:cNvSpPr>
+            <a:spLocks noGrp="1"/>
+          </p:cNvSpPr>
+          <p:nvPr>
+            <p:ph type="body" idx="1"/>
+          </p:nvPr>
+        </p:nvSpPr>
+        <p:spPr/>
+        <p:txBody>
+          <a:bodyPr/>
+          <a:lstStyle/>
+          <a:p>
+            <a:endParaRPr lang="es-MX" dirty="0"/>
+          </a:p>
+        </p:txBody>
+      </p:sp>
+      <p:sp>
+        <p:nvSpPr>
+          <p:cNvPr id="4" name="Marcador de número de diapositiva 3"/>
+          <p:cNvSpPr>
+            <a:spLocks noGrp="1"/>
+          </p:cNvSpPr>
+          <p:nvPr>
+            <p:ph type="sldNum" sz="quarter" idx="5"/>
+          </p:nvPr>
+        </p:nvSpPr>
+        <p:spPr/>
+        <p:txBody>
+          <a:bodyPr/>
+          <a:lstStyle/>
+          <a:p>
+            <a:fld id="{9C4A5C2F-87B0-4382-B452-9CF1E6F7248D}" type="slidenum">
+              <a:rPr lang="es-MX" smtClean="0"/>
+              <a:t>17</a:t>
             </a:fld>
             <a:endParaRPr lang="es-MX"/>
           </a:p>
@@ -1313,18 +1398,18 @@
           <a:bodyPr/>
           <a:lstStyle/>
           <a:p>
-            <a:fld id="{9C4A5C2F-87B0-4382-B452-9CF1E6F7248D}" type="slidenum">
+            <a:fld id="{6BAB4312-99A1-4CE9-ACE7-4C62E9FD90EE}" type="slidenum">
               <a:rPr lang="es-MX" smtClean="0"/>
-              <a:t>13</a:t>
+              <a:t>12</a:t>
             </a:fld>
-            <a:endParaRPr lang="es-MX"/>
+            <a:endParaRPr lang="es-MX" dirty="0"/>
           </a:p>
         </p:txBody>
       </p:sp>
     </p:spTree>
     <p:extLst>
       <p:ext uri="{BB962C8B-B14F-4D97-AF65-F5344CB8AC3E}">
-        <p14:creationId xmlns:p14="http://schemas.microsoft.com/office/powerpoint/2010/main" val="4241124567"/>
+        <p14:creationId xmlns:p14="http://schemas.microsoft.com/office/powerpoint/2010/main" val="4177416061"/>
       </p:ext>
     </p:extLst>
   </p:cSld>
@@ -1515,7 +1600,7 @@
           <a:p>
             <a:fld id="{05B1B184-8162-40A9-BCCC-182276235E4C}" type="datetimeFigureOut">
               <a:rPr lang="es-MX" smtClean="0"/>
-              <a:t>04/09/2022</a:t>
+              <a:t>07/09/2022</a:t>
             </a:fld>
             <a:endParaRPr lang="es-MX"/>
           </a:p>
@@ -1685,7 +1770,7 @@
           <a:p>
             <a:fld id="{05B1B184-8162-40A9-BCCC-182276235E4C}" type="datetimeFigureOut">
               <a:rPr lang="es-MX" smtClean="0"/>
-              <a:t>04/09/2022</a:t>
+              <a:t>07/09/2022</a:t>
             </a:fld>
             <a:endParaRPr lang="es-MX"/>
           </a:p>
@@ -1865,7 +1950,7 @@
           <a:p>
             <a:fld id="{05B1B184-8162-40A9-BCCC-182276235E4C}" type="datetimeFigureOut">
               <a:rPr lang="es-MX" smtClean="0"/>
-              <a:t>04/09/2022</a:t>
+              <a:t>07/09/2022</a:t>
             </a:fld>
             <a:endParaRPr lang="es-MX"/>
           </a:p>
@@ -2018,7 +2103,7 @@
           <a:p>
             <a:fld id="{1D8BD707-D9CF-40AE-B4C6-C98DA3205C09}" type="datetimeFigureOut">
               <a:rPr lang="en-US" smtClean="0"/>
-              <a:t>9/4/2022</a:t>
+              <a:t>9/7/2022</a:t>
             </a:fld>
             <a:endParaRPr lang="en-US"/>
           </a:p>
@@ -2178,7 +2263,7 @@
           <a:p>
             <a:fld id="{05B1B184-8162-40A9-BCCC-182276235E4C}" type="datetimeFigureOut">
               <a:rPr lang="es-MX" smtClean="0"/>
-              <a:t>04/09/2022</a:t>
+              <a:t>07/09/2022</a:t>
             </a:fld>
             <a:endParaRPr lang="es-MX"/>
           </a:p>
@@ -2424,7 +2509,7 @@
           <a:p>
             <a:fld id="{05B1B184-8162-40A9-BCCC-182276235E4C}" type="datetimeFigureOut">
               <a:rPr lang="es-MX" smtClean="0"/>
-              <a:t>04/09/2022</a:t>
+              <a:t>07/09/2022</a:t>
             </a:fld>
             <a:endParaRPr lang="es-MX"/>
           </a:p>
@@ -2712,7 +2797,7 @@
           <a:p>
             <a:fld id="{05B1B184-8162-40A9-BCCC-182276235E4C}" type="datetimeFigureOut">
               <a:rPr lang="es-MX" smtClean="0"/>
-              <a:t>04/09/2022</a:t>
+              <a:t>07/09/2022</a:t>
             </a:fld>
             <a:endParaRPr lang="es-MX"/>
           </a:p>
@@ -3134,7 +3219,7 @@
           <a:p>
             <a:fld id="{05B1B184-8162-40A9-BCCC-182276235E4C}" type="datetimeFigureOut">
               <a:rPr lang="es-MX" smtClean="0"/>
-              <a:t>04/09/2022</a:t>
+              <a:t>07/09/2022</a:t>
             </a:fld>
             <a:endParaRPr lang="es-MX"/>
           </a:p>
@@ -3252,7 +3337,7 @@
           <a:p>
             <a:fld id="{05B1B184-8162-40A9-BCCC-182276235E4C}" type="datetimeFigureOut">
               <a:rPr lang="es-MX" smtClean="0"/>
-              <a:t>04/09/2022</a:t>
+              <a:t>07/09/2022</a:t>
             </a:fld>
             <a:endParaRPr lang="es-MX"/>
           </a:p>
@@ -3347,7 +3432,7 @@
           <a:p>
             <a:fld id="{05B1B184-8162-40A9-BCCC-182276235E4C}" type="datetimeFigureOut">
               <a:rPr lang="es-MX" smtClean="0"/>
-              <a:t>04/09/2022</a:t>
+              <a:t>07/09/2022</a:t>
             </a:fld>
             <a:endParaRPr lang="es-MX"/>
           </a:p>
@@ -3624,7 +3709,7 @@
           <a:p>
             <a:fld id="{05B1B184-8162-40A9-BCCC-182276235E4C}" type="datetimeFigureOut">
               <a:rPr lang="es-MX" smtClean="0"/>
-              <a:t>04/09/2022</a:t>
+              <a:t>07/09/2022</a:t>
             </a:fld>
             <a:endParaRPr lang="es-MX"/>
           </a:p>
@@ -3877,7 +3962,7 @@
           <a:p>
             <a:fld id="{05B1B184-8162-40A9-BCCC-182276235E4C}" type="datetimeFigureOut">
               <a:rPr lang="es-MX" smtClean="0"/>
-              <a:t>04/09/2022</a:t>
+              <a:t>07/09/2022</a:t>
             </a:fld>
             <a:endParaRPr lang="es-MX"/>
           </a:p>
@@ -4090,7 +4175,7 @@
           <a:p>
             <a:fld id="{05B1B184-8162-40A9-BCCC-182276235E4C}" type="datetimeFigureOut">
               <a:rPr lang="es-MX" smtClean="0"/>
-              <a:t>04/09/2022</a:t>
+              <a:t>07/09/2022</a:t>
             </a:fld>
             <a:endParaRPr lang="es-MX"/>
           </a:p>
@@ -4499,7 +4584,7 @@
                   </a:schemeClr>
                 </a:solidFill>
               </a:rPr>
-              <a:t>Matrices o listas anidadas</a:t>
+              <a:t>Matrices</a:t>
             </a:r>
           </a:p>
           <a:p>
@@ -4554,63 +4639,50 @@
       </p:pic>
       <p:sp>
         <p:nvSpPr>
-          <p:cNvPr id="7" name="Title 1">
+          <p:cNvPr id="5" name="Title 1">
             <a:extLst>
               <a:ext uri="{FF2B5EF4-FFF2-40B4-BE49-F238E27FC236}">
-                <a16:creationId xmlns:a16="http://schemas.microsoft.com/office/drawing/2014/main" id="{C76FDE9F-BE31-4C18-94A8-6C66B7C80D3B}"/>
+                <a16:creationId xmlns:a16="http://schemas.microsoft.com/office/drawing/2014/main" id="{83DC0A6A-611B-4B31-9C3C-4EEBD18EF1BA}"/>
               </a:ext>
             </a:extLst>
           </p:cNvPr>
-          <p:cNvSpPr txBox="1">
-            <a:spLocks/>
+          <p:cNvSpPr>
+            <a:spLocks noGrp="1"/>
           </p:cNvSpPr>
-          <p:nvPr/>
+          <p:nvPr>
+            <p:ph type="ctrTitle"/>
+          </p:nvPr>
         </p:nvSpPr>
         <p:spPr>
           <a:xfrm>
             <a:off x="1006630" y="404664"/>
-            <a:ext cx="7342584" cy="1470025"/>
+            <a:ext cx="7669826" cy="1470025"/>
           </a:xfrm>
-          <a:prstGeom prst="rect">
-            <a:avLst/>
-          </a:prstGeom>
         </p:spPr>
         <p:txBody>
-          <a:bodyPr vert="horz" lIns="91440" tIns="45720" rIns="91440" bIns="45720" rtlCol="0" anchor="ctr">
-            <a:normAutofit fontScale="97500"/>
+          <a:bodyPr rtlCol="0">
+            <a:normAutofit fontScale="90000"/>
           </a:bodyPr>
-          <a:lstStyle>
-            <a:lvl1pPr algn="ctr" defTabSz="914400" rtl="0" eaLnBrk="1" latinLnBrk="0" hangingPunct="1">
-              <a:spcBef>
-                <a:spcPct val="0"/>
-              </a:spcBef>
-              <a:buNone/>
-              <a:defRPr sz="4400" kern="1200">
-                <a:solidFill>
-                  <a:schemeClr val="tx1"/>
-                </a:solidFill>
-                <a:latin typeface="+mj-lt"/>
-                <a:ea typeface="+mj-ea"/>
-                <a:cs typeface="+mj-cs"/>
-              </a:defRPr>
-            </a:lvl1pPr>
-          </a:lstStyle>
-          <a:p>
-            <a:pPr algn="l">
+          <a:lstStyle/>
+          <a:p>
+            <a:pPr algn="l" eaLnBrk="1" fontAlgn="auto" hangingPunct="1">
+              <a:spcAft>
+                <a:spcPts val="0"/>
+              </a:spcAft>
               <a:defRPr/>
             </a:pPr>
             <a:r>
-              <a:rPr lang="es-MX" sz="3200">
+              <a:rPr lang="es-MX" sz="3200" dirty="0">
                 <a:solidFill>
                   <a:schemeClr val="bg2">
                     <a:lumMod val="50000"/>
                   </a:schemeClr>
                 </a:solidFill>
               </a:rPr>
-              <a:t>TC1028 </a:t>
+              <a:t>TI 3001 C</a:t>
             </a:r>
             <a:br>
-              <a:rPr lang="es-MX" sz="3200">
+              <a:rPr lang="es-MX" sz="3200" dirty="0">
                 <a:solidFill>
                   <a:schemeClr val="bg2">
                     <a:lumMod val="50000"/>
@@ -4619,22 +4691,15 @@
               </a:rPr>
             </a:br>
             <a:r>
-              <a:rPr lang="es-MX" sz="3200">
+              <a:rPr lang="es-MX" sz="3200" dirty="0">
                 <a:solidFill>
                   <a:schemeClr val="bg2">
                     <a:lumMod val="50000"/>
                   </a:schemeClr>
                 </a:solidFill>
               </a:rPr>
-              <a:t>Pensamiento Computacional para Ingeniería</a:t>
-            </a:r>
-            <a:endParaRPr lang="es-MX" sz="3200" dirty="0">
-              <a:solidFill>
-                <a:schemeClr val="bg2">
-                  <a:lumMod val="50000"/>
-                </a:schemeClr>
-              </a:solidFill>
-            </a:endParaRPr>
+              <a:t>Analítica de datos y herramientas de inteligencia artificial</a:t>
+            </a:r>
           </a:p>
         </p:txBody>
       </p:sp>
@@ -5752,6 +5817,630 @@
       </p:grpSpPr>
       <p:sp>
         <p:nvSpPr>
+          <p:cNvPr id="184324" name="Rectangle 4"/>
+          <p:cNvSpPr>
+            <a:spLocks noGrp="1" noChangeArrowheads="1"/>
+          </p:cNvSpPr>
+          <p:nvPr>
+            <p:ph type="title"/>
+          </p:nvPr>
+        </p:nvSpPr>
+        <p:spPr>
+          <a:xfrm>
+            <a:off x="282352" y="404664"/>
+            <a:ext cx="8579296" cy="1143000"/>
+          </a:xfrm>
+        </p:spPr>
+        <p:txBody>
+          <a:bodyPr>
+            <a:normAutofit/>
+          </a:bodyPr>
+          <a:lstStyle/>
+          <a:p>
+            <a:pPr>
+              <a:defRPr/>
+            </a:pPr>
+            <a:r>
+              <a:rPr lang="es-MX" b="1" dirty="0">
+                <a:solidFill>
+                  <a:schemeClr val="accent4">
+                    <a:lumMod val="50000"/>
+                  </a:schemeClr>
+                </a:solidFill>
+                <a:effectLst>
+                  <a:outerShdw blurRad="38100" dist="38100" dir="2700000" algn="tl">
+                    <a:srgbClr val="C0C0C0"/>
+                  </a:outerShdw>
+                </a:effectLst>
+                <a:latin typeface="Dom Casual" charset="0"/>
+              </a:rPr>
+              <a:t>Números aleatorios enteros</a:t>
+            </a:r>
+          </a:p>
+        </p:txBody>
+      </p:sp>
+      <p:sp>
+        <p:nvSpPr>
+          <p:cNvPr id="8" name="CuadroTexto 7">
+            <a:extLst>
+              <a:ext uri="{FF2B5EF4-FFF2-40B4-BE49-F238E27FC236}">
+                <a16:creationId xmlns:a16="http://schemas.microsoft.com/office/drawing/2014/main" id="{55DBA087-8F34-4F75-A5F0-B97397BAF7AE}"/>
+              </a:ext>
+            </a:extLst>
+          </p:cNvPr>
+          <p:cNvSpPr txBox="1"/>
+          <p:nvPr/>
+        </p:nvSpPr>
+        <p:spPr>
+          <a:xfrm>
+            <a:off x="1187624" y="4170031"/>
+            <a:ext cx="6840759" cy="1429622"/>
+          </a:xfrm>
+          <a:prstGeom prst="rect">
+            <a:avLst/>
+          </a:prstGeom>
+          <a:noFill/>
+        </p:spPr>
+        <p:txBody>
+          <a:bodyPr wrap="square">
+            <a:spAutoFit/>
+          </a:bodyPr>
+          <a:lstStyle/>
+          <a:p>
+            <a:pPr algn="l" rtl="0">
+              <a:lnSpc>
+                <a:spcPct val="150000"/>
+              </a:lnSpc>
+            </a:pPr>
+            <a:r>
+              <a:rPr lang="es-ES" sz="2000" b="1" i="0" dirty="0" err="1">
+                <a:solidFill>
+                  <a:srgbClr val="066DA1"/>
+                </a:solidFill>
+                <a:effectLst/>
+              </a:rPr>
+              <a:t>import</a:t>
+            </a:r>
+            <a:r>
+              <a:rPr lang="es-ES" sz="2000" b="0" i="0" dirty="0">
+                <a:solidFill>
+                  <a:srgbClr val="000000"/>
+                </a:solidFill>
+                <a:effectLst/>
+              </a:rPr>
+              <a:t> </a:t>
+            </a:r>
+            <a:r>
+              <a:rPr lang="es-ES" sz="2000" b="0" i="0" dirty="0" err="1">
+                <a:solidFill>
+                  <a:srgbClr val="000000"/>
+                </a:solidFill>
+                <a:effectLst/>
+              </a:rPr>
+              <a:t>numpy</a:t>
+            </a:r>
+            <a:r>
+              <a:rPr lang="es-ES" sz="2000" b="0" i="0" dirty="0">
+                <a:solidFill>
+                  <a:srgbClr val="000000"/>
+                </a:solidFill>
+                <a:effectLst/>
+              </a:rPr>
+              <a:t> </a:t>
+            </a:r>
+            <a:r>
+              <a:rPr lang="es-ES" sz="2000" b="1" i="0" dirty="0">
+                <a:solidFill>
+                  <a:srgbClr val="066DA1"/>
+                </a:solidFill>
+                <a:effectLst/>
+              </a:rPr>
+              <a:t>as</a:t>
+            </a:r>
+            <a:r>
+              <a:rPr lang="es-ES" sz="2000" b="0" i="0" dirty="0">
+                <a:solidFill>
+                  <a:srgbClr val="000000"/>
+                </a:solidFill>
+                <a:effectLst/>
+              </a:rPr>
+              <a:t> </a:t>
+            </a:r>
+            <a:r>
+              <a:rPr lang="es-ES" sz="2000" b="0" i="0" dirty="0" err="1">
+                <a:solidFill>
+                  <a:srgbClr val="000000"/>
+                </a:solidFill>
+                <a:effectLst/>
+              </a:rPr>
+              <a:t>np</a:t>
+            </a:r>
+            <a:endParaRPr lang="es-ES" sz="2000" b="0" i="0" dirty="0">
+              <a:solidFill>
+                <a:srgbClr val="AAAAAA"/>
+              </a:solidFill>
+              <a:effectLst/>
+            </a:endParaRPr>
+          </a:p>
+          <a:p>
+            <a:pPr algn="l" rtl="0">
+              <a:lnSpc>
+                <a:spcPct val="150000"/>
+              </a:lnSpc>
+            </a:pPr>
+            <a:r>
+              <a:rPr lang="es-ES" sz="2000" dirty="0">
+                <a:solidFill>
+                  <a:srgbClr val="000000"/>
+                </a:solidFill>
+              </a:rPr>
+              <a:t>matriz = </a:t>
+            </a:r>
+            <a:r>
+              <a:rPr lang="es-ES" sz="2000" b="0" i="0" dirty="0" err="1">
+                <a:solidFill>
+                  <a:srgbClr val="000000"/>
+                </a:solidFill>
+                <a:effectLst/>
+              </a:rPr>
+              <a:t>np.</a:t>
+            </a:r>
+            <a:r>
+              <a:rPr lang="es-ES" sz="2000" b="1" i="0" dirty="0" err="1">
+                <a:solidFill>
+                  <a:schemeClr val="accent6">
+                    <a:lumMod val="75000"/>
+                  </a:schemeClr>
+                </a:solidFill>
+                <a:effectLst/>
+              </a:rPr>
+              <a:t>random.randint</a:t>
+            </a:r>
+            <a:r>
+              <a:rPr lang="es-ES" sz="2000" b="0" i="0" dirty="0">
+                <a:solidFill>
+                  <a:srgbClr val="444444"/>
+                </a:solidFill>
+                <a:effectLst/>
+              </a:rPr>
+              <a:t>(-10, 20, </a:t>
+            </a:r>
+            <a:r>
+              <a:rPr lang="es-ES" sz="2000" b="0" i="0" dirty="0" err="1">
+                <a:solidFill>
+                  <a:srgbClr val="444444"/>
+                </a:solidFill>
+                <a:effectLst/>
+              </a:rPr>
+              <a:t>size</a:t>
+            </a:r>
+            <a:r>
+              <a:rPr lang="es-ES" sz="2000" b="0" i="0" dirty="0">
+                <a:solidFill>
+                  <a:srgbClr val="444444"/>
+                </a:solidFill>
+                <a:effectLst/>
+              </a:rPr>
+              <a:t> =(4, 5), </a:t>
+            </a:r>
+            <a:r>
+              <a:rPr lang="es-ES" sz="2000" b="0" i="0" dirty="0" err="1">
+                <a:solidFill>
+                  <a:srgbClr val="444444"/>
+                </a:solidFill>
+                <a:effectLst/>
+              </a:rPr>
+              <a:t>dtype</a:t>
+            </a:r>
+            <a:r>
+              <a:rPr lang="es-ES" sz="2000" b="0" i="0" dirty="0">
+                <a:solidFill>
+                  <a:srgbClr val="444444"/>
+                </a:solidFill>
+                <a:effectLst/>
+              </a:rPr>
+              <a:t>=“</a:t>
+            </a:r>
+            <a:r>
+              <a:rPr lang="es-ES" sz="2000" b="0" i="0" dirty="0" err="1">
+                <a:solidFill>
+                  <a:srgbClr val="444444"/>
+                </a:solidFill>
+                <a:effectLst/>
+              </a:rPr>
+              <a:t>int</a:t>
+            </a:r>
+            <a:r>
+              <a:rPr lang="es-ES" sz="2000" b="0" i="0" dirty="0">
+                <a:solidFill>
+                  <a:srgbClr val="444444"/>
+                </a:solidFill>
+                <a:effectLst/>
+              </a:rPr>
+              <a:t>”)</a:t>
+            </a:r>
+          </a:p>
+          <a:p>
+            <a:pPr algn="l" rtl="0">
+              <a:lnSpc>
+                <a:spcPct val="150000"/>
+              </a:lnSpc>
+            </a:pPr>
+            <a:r>
+              <a:rPr lang="es-ES" sz="2000" dirty="0" err="1">
+                <a:solidFill>
+                  <a:srgbClr val="444444"/>
+                </a:solidFill>
+              </a:rPr>
+              <a:t>print</a:t>
+            </a:r>
+            <a:r>
+              <a:rPr lang="es-ES" sz="2000" dirty="0">
+                <a:solidFill>
+                  <a:srgbClr val="444444"/>
+                </a:solidFill>
+              </a:rPr>
+              <a:t>(matriz)</a:t>
+            </a:r>
+            <a:endParaRPr lang="es-ES" sz="2000" b="0" i="0" dirty="0">
+              <a:solidFill>
+                <a:srgbClr val="AAAAAA"/>
+              </a:solidFill>
+              <a:effectLst/>
+            </a:endParaRPr>
+          </a:p>
+        </p:txBody>
+      </p:sp>
+      <p:sp>
+        <p:nvSpPr>
+          <p:cNvPr id="6" name="CuadroTexto 5">
+            <a:extLst>
+              <a:ext uri="{FF2B5EF4-FFF2-40B4-BE49-F238E27FC236}">
+                <a16:creationId xmlns:a16="http://schemas.microsoft.com/office/drawing/2014/main" id="{C88C6A2A-3851-43A1-80DA-5A41522B28E8}"/>
+              </a:ext>
+            </a:extLst>
+          </p:cNvPr>
+          <p:cNvSpPr txBox="1"/>
+          <p:nvPr/>
+        </p:nvSpPr>
+        <p:spPr>
+          <a:xfrm>
+            <a:off x="827584" y="1913204"/>
+            <a:ext cx="7740860" cy="1891287"/>
+          </a:xfrm>
+          <a:prstGeom prst="rect">
+            <a:avLst/>
+          </a:prstGeom>
+          <a:noFill/>
+        </p:spPr>
+        <p:txBody>
+          <a:bodyPr wrap="square">
+            <a:spAutoFit/>
+          </a:bodyPr>
+          <a:lstStyle/>
+          <a:p>
+            <a:pPr algn="l" rtl="0">
+              <a:lnSpc>
+                <a:spcPct val="150000"/>
+              </a:lnSpc>
+            </a:pPr>
+            <a:r>
+              <a:rPr lang="en-US" sz="2000" dirty="0" err="1">
+                <a:solidFill>
+                  <a:srgbClr val="000000"/>
+                </a:solidFill>
+              </a:rPr>
+              <a:t>numpy.</a:t>
+            </a:r>
+            <a:r>
+              <a:rPr lang="en-US" sz="2000" b="1" dirty="0" err="1">
+                <a:solidFill>
+                  <a:schemeClr val="accent6">
+                    <a:lumMod val="75000"/>
+                  </a:schemeClr>
+                </a:solidFill>
+              </a:rPr>
+              <a:t>random.randint</a:t>
+            </a:r>
+            <a:r>
+              <a:rPr lang="en-US" sz="2000" b="1" dirty="0">
+                <a:solidFill>
+                  <a:schemeClr val="accent6">
+                    <a:lumMod val="75000"/>
+                  </a:schemeClr>
+                </a:solidFill>
+              </a:rPr>
+              <a:t>(li, ls, size(#renglones, #columnas), </a:t>
+            </a:r>
+            <a:r>
+              <a:rPr lang="en-US" sz="2000" b="1" dirty="0" err="1">
+                <a:solidFill>
+                  <a:schemeClr val="accent6">
+                    <a:lumMod val="75000"/>
+                  </a:schemeClr>
+                </a:solidFill>
+              </a:rPr>
+              <a:t>dtype</a:t>
+            </a:r>
+            <a:r>
+              <a:rPr lang="en-US" sz="2000" b="1" dirty="0">
+                <a:solidFill>
+                  <a:schemeClr val="accent6">
+                    <a:lumMod val="75000"/>
+                  </a:schemeClr>
+                </a:solidFill>
+              </a:rPr>
+              <a:t>) </a:t>
+            </a:r>
+            <a:r>
+              <a:rPr lang="en-US" sz="2000" dirty="0">
+                <a:solidFill>
+                  <a:srgbClr val="000000"/>
+                </a:solidFill>
+              </a:rPr>
+              <a:t>: La </a:t>
+            </a:r>
+            <a:r>
+              <a:rPr lang="en-US" sz="2000" dirty="0" err="1">
+                <a:solidFill>
+                  <a:srgbClr val="000000"/>
+                </a:solidFill>
+              </a:rPr>
+              <a:t>función</a:t>
+            </a:r>
+            <a:r>
+              <a:rPr lang="en-US" sz="2000" dirty="0">
+                <a:solidFill>
+                  <a:srgbClr val="000000"/>
+                </a:solidFill>
+              </a:rPr>
+              <a:t> </a:t>
+            </a:r>
+            <a:r>
+              <a:rPr lang="en-US" sz="2000" b="1" dirty="0" err="1">
+                <a:solidFill>
+                  <a:schemeClr val="accent6">
+                    <a:lumMod val="75000"/>
+                  </a:schemeClr>
+                </a:solidFill>
+              </a:rPr>
+              <a:t>random.randint</a:t>
+            </a:r>
+            <a:r>
+              <a:rPr lang="en-US" sz="2000" b="1" dirty="0">
+                <a:solidFill>
+                  <a:schemeClr val="accent6">
+                    <a:lumMod val="75000"/>
+                  </a:schemeClr>
+                </a:solidFill>
+              </a:rPr>
+              <a:t>()</a:t>
+            </a:r>
+            <a:r>
+              <a:rPr lang="en-US" sz="2000" dirty="0">
+                <a:solidFill>
+                  <a:srgbClr val="000000"/>
+                </a:solidFill>
+              </a:rPr>
+              <a:t> genera </a:t>
+            </a:r>
+            <a:r>
+              <a:rPr lang="en-US" sz="2000" dirty="0" err="1">
+                <a:solidFill>
+                  <a:srgbClr val="000000"/>
+                </a:solidFill>
+              </a:rPr>
+              <a:t>números</a:t>
+            </a:r>
+            <a:r>
+              <a:rPr lang="en-US" sz="2000" dirty="0">
+                <a:solidFill>
+                  <a:srgbClr val="000000"/>
+                </a:solidFill>
+              </a:rPr>
+              <a:t> </a:t>
+            </a:r>
+            <a:r>
+              <a:rPr lang="en-US" sz="2000" dirty="0" err="1">
+                <a:solidFill>
+                  <a:srgbClr val="000000"/>
+                </a:solidFill>
+              </a:rPr>
+              <a:t>aleatorios</a:t>
+            </a:r>
+            <a:r>
+              <a:rPr lang="en-US" sz="2000" dirty="0">
+                <a:solidFill>
+                  <a:srgbClr val="000000"/>
+                </a:solidFill>
+              </a:rPr>
+              <a:t> entre el </a:t>
+            </a:r>
+            <a:r>
+              <a:rPr lang="en-US" sz="2000" dirty="0" err="1">
+                <a:solidFill>
+                  <a:srgbClr val="000000"/>
+                </a:solidFill>
+              </a:rPr>
+              <a:t>límite</a:t>
+            </a:r>
+            <a:r>
+              <a:rPr lang="en-US" sz="2000" dirty="0">
+                <a:solidFill>
+                  <a:srgbClr val="000000"/>
+                </a:solidFill>
+              </a:rPr>
+              <a:t> inferior y el </a:t>
+            </a:r>
+            <a:r>
+              <a:rPr lang="en-US" sz="2000" dirty="0" err="1">
+                <a:solidFill>
+                  <a:srgbClr val="000000"/>
+                </a:solidFill>
+              </a:rPr>
+              <a:t>límite</a:t>
+            </a:r>
+            <a:r>
+              <a:rPr lang="en-US" sz="2000" dirty="0">
+                <a:solidFill>
+                  <a:srgbClr val="000000"/>
+                </a:solidFill>
+              </a:rPr>
+              <a:t> superior, del </a:t>
+            </a:r>
+            <a:r>
+              <a:rPr lang="en-US" sz="2000" dirty="0" err="1">
+                <a:solidFill>
+                  <a:srgbClr val="000000"/>
+                </a:solidFill>
+              </a:rPr>
+              <a:t>tamaño</a:t>
+            </a:r>
+            <a:r>
+              <a:rPr lang="en-US" sz="2000" dirty="0">
+                <a:solidFill>
+                  <a:srgbClr val="000000"/>
+                </a:solidFill>
+              </a:rPr>
+              <a:t> </a:t>
+            </a:r>
+            <a:r>
+              <a:rPr lang="en-US" sz="2000" dirty="0" err="1">
+                <a:solidFill>
+                  <a:srgbClr val="000000"/>
+                </a:solidFill>
+              </a:rPr>
+              <a:t>especificado</a:t>
+            </a:r>
+            <a:r>
+              <a:rPr lang="en-US" sz="2000" dirty="0">
+                <a:solidFill>
+                  <a:srgbClr val="000000"/>
+                </a:solidFill>
+              </a:rPr>
+              <a:t> de </a:t>
+            </a:r>
+            <a:r>
+              <a:rPr lang="en-US" sz="2000" dirty="0" err="1">
+                <a:solidFill>
+                  <a:srgbClr val="000000"/>
+                </a:solidFill>
+              </a:rPr>
+              <a:t>renglones</a:t>
+            </a:r>
+            <a:r>
+              <a:rPr lang="en-US" sz="2000" dirty="0">
+                <a:solidFill>
+                  <a:srgbClr val="000000"/>
+                </a:solidFill>
+              </a:rPr>
+              <a:t> y </a:t>
+            </a:r>
+            <a:r>
+              <a:rPr lang="en-US" sz="2000" dirty="0" err="1">
+                <a:solidFill>
+                  <a:srgbClr val="000000"/>
+                </a:solidFill>
+              </a:rPr>
+              <a:t>columnas</a:t>
+            </a:r>
+            <a:r>
+              <a:rPr lang="en-US" sz="2000" dirty="0">
+                <a:solidFill>
+                  <a:srgbClr val="000000"/>
+                </a:solidFill>
+              </a:rPr>
+              <a:t> y del </a:t>
+            </a:r>
+            <a:r>
+              <a:rPr lang="en-US" sz="2000" dirty="0" err="1">
+                <a:solidFill>
+                  <a:srgbClr val="000000"/>
+                </a:solidFill>
+              </a:rPr>
+              <a:t>tipo</a:t>
+            </a:r>
+            <a:r>
+              <a:rPr lang="en-US" sz="2000" dirty="0">
+                <a:solidFill>
+                  <a:srgbClr val="000000"/>
+                </a:solidFill>
+              </a:rPr>
+              <a:t> de </a:t>
+            </a:r>
+            <a:r>
+              <a:rPr lang="en-US" sz="2000" dirty="0" err="1">
+                <a:solidFill>
+                  <a:srgbClr val="000000"/>
+                </a:solidFill>
+              </a:rPr>
+              <a:t>dato</a:t>
+            </a:r>
+            <a:r>
+              <a:rPr lang="en-US" sz="2000" dirty="0">
+                <a:solidFill>
+                  <a:srgbClr val="000000"/>
+                </a:solidFill>
+              </a:rPr>
+              <a:t> </a:t>
+            </a:r>
+            <a:r>
+              <a:rPr lang="en-US" sz="2000" dirty="0" err="1">
+                <a:solidFill>
+                  <a:srgbClr val="000000"/>
+                </a:solidFill>
+              </a:rPr>
+              <a:t>especificado</a:t>
+            </a:r>
+            <a:r>
+              <a:rPr lang="en-US" sz="2000" dirty="0">
+                <a:solidFill>
+                  <a:srgbClr val="000000"/>
+                </a:solidFill>
+              </a:rPr>
+              <a:t>.</a:t>
+            </a:r>
+            <a:endParaRPr lang="es-ES" sz="2000" b="0" i="0" dirty="0">
+              <a:solidFill>
+                <a:srgbClr val="AAAAAA"/>
+              </a:solidFill>
+              <a:effectLst/>
+            </a:endParaRPr>
+          </a:p>
+        </p:txBody>
+      </p:sp>
+    </p:spTree>
+    <p:extLst>
+      <p:ext uri="{BB962C8B-B14F-4D97-AF65-F5344CB8AC3E}">
+        <p14:creationId xmlns:p14="http://schemas.microsoft.com/office/powerpoint/2010/main" val="1720024169"/>
+      </p:ext>
+    </p:extLst>
+  </p:cSld>
+  <p:clrMapOvr>
+    <a:masterClrMapping/>
+  </p:clrMapOvr>
+</p:sld>
+</file>
+
+<file path=ppt/slides/slide13.xml><?xml version="1.0" encoding="utf-8"?>
+<p:sld xmlns:a="http://schemas.openxmlformats.org/drawingml/2006/main" xmlns:r="http://schemas.openxmlformats.org/officeDocument/2006/relationships" xmlns:p="http://schemas.openxmlformats.org/presentationml/2006/main">
+  <p:cSld>
+    <p:spTree>
+      <p:nvGrpSpPr>
+        <p:cNvPr id="1" name=""/>
+        <p:cNvGrpSpPr/>
+        <p:nvPr/>
+      </p:nvGrpSpPr>
+      <p:grpSpPr>
+        <a:xfrm>
+          <a:off x="0" y="0"/>
+          <a:ext cx="0" cy="0"/>
+          <a:chOff x="0" y="0"/>
+          <a:chExt cx="0" cy="0"/>
+        </a:xfrm>
+      </p:grpSpPr>
+      <p:sp>
+        <p:nvSpPr>
           <p:cNvPr id="7171" name="Rectangle 2"/>
           <p:cNvSpPr>
             <a:spLocks noGrp="1" noChangeArrowheads="1"/>
@@ -6227,7 +6916,7 @@
 </p:sld>
 </file>
 
-<file path=ppt/slides/slide13.xml><?xml version="1.0" encoding="utf-8"?>
+<file path=ppt/slides/slide14.xml><?xml version="1.0" encoding="utf-8"?>
 <p:sld xmlns:a="http://schemas.openxmlformats.org/drawingml/2006/main" xmlns:r="http://schemas.openxmlformats.org/officeDocument/2006/relationships" xmlns:p="http://schemas.openxmlformats.org/presentationml/2006/main">
   <p:cSld>
     <p:spTree>
@@ -6704,7 +7393,7 @@
 </p:sld>
 </file>
 
-<file path=ppt/slides/slide14.xml><?xml version="1.0" encoding="utf-8"?>
+<file path=ppt/slides/slide15.xml><?xml version="1.0" encoding="utf-8"?>
 <p:sld xmlns:a="http://schemas.openxmlformats.org/drawingml/2006/main" xmlns:r="http://schemas.openxmlformats.org/officeDocument/2006/relationships" xmlns:p="http://schemas.openxmlformats.org/presentationml/2006/main" showMasterPhAnim="0">
   <p:cSld>
     <p:spTree>
@@ -8667,7 +9356,7 @@
 </p:sld>
 </file>
 
-<file path=ppt/slides/slide15.xml><?xml version="1.0" encoding="utf-8"?>
+<file path=ppt/slides/slide16.xml><?xml version="1.0" encoding="utf-8"?>
 <p:sld xmlns:a="http://schemas.openxmlformats.org/drawingml/2006/main" xmlns:r="http://schemas.openxmlformats.org/officeDocument/2006/relationships" xmlns:p="http://schemas.openxmlformats.org/presentationml/2006/main">
   <p:cSld>
     <p:spTree>
@@ -11884,7 +12573,7 @@
 </p:sld>
 </file>
 
-<file path=ppt/slides/slide16.xml><?xml version="1.0" encoding="utf-8"?>
+<file path=ppt/slides/slide17.xml><?xml version="1.0" encoding="utf-8"?>
 <p:sld xmlns:a="http://schemas.openxmlformats.org/drawingml/2006/main" xmlns:r="http://schemas.openxmlformats.org/officeDocument/2006/relationships" xmlns:p="http://schemas.openxmlformats.org/presentationml/2006/main" showMasterPhAnim="0">
   <p:cSld>
     <p:spTree>
@@ -12092,7 +12781,7 @@
 </p:sld>
 </file>
 
-<file path=ppt/slides/slide17.xml><?xml version="1.0" encoding="utf-8"?>
+<file path=ppt/slides/slide18.xml><?xml version="1.0" encoding="utf-8"?>
 <p:sld xmlns:a="http://schemas.openxmlformats.org/drawingml/2006/main" xmlns:r="http://schemas.openxmlformats.org/officeDocument/2006/relationships" xmlns:p="http://schemas.openxmlformats.org/presentationml/2006/main">
   <p:cSld>
     <p:spTree>
@@ -12536,7 +13225,7 @@
 </p:sld>
 </file>
 
-<file path=ppt/slides/slide18.xml><?xml version="1.0" encoding="utf-8"?>
+<file path=ppt/slides/slide19.xml><?xml version="1.0" encoding="utf-8"?>
 <p:sld xmlns:a="http://schemas.openxmlformats.org/drawingml/2006/main" xmlns:r="http://schemas.openxmlformats.org/officeDocument/2006/relationships" xmlns:p="http://schemas.openxmlformats.org/presentationml/2006/main">
   <p:cSld>
     <p:spTree>
@@ -12789,1203 +13478,6 @@
 </p:sld>
 </file>
 
-<file path=ppt/slides/slide19.xml><?xml version="1.0" encoding="utf-8"?>
-<p:sld xmlns:a="http://schemas.openxmlformats.org/drawingml/2006/main" xmlns:r="http://schemas.openxmlformats.org/officeDocument/2006/relationships" xmlns:p="http://schemas.openxmlformats.org/presentationml/2006/main">
-  <p:cSld>
-    <p:spTree>
-      <p:nvGrpSpPr>
-        <p:cNvPr id="1" name=""/>
-        <p:cNvGrpSpPr/>
-        <p:nvPr/>
-      </p:nvGrpSpPr>
-      <p:grpSpPr>
-        <a:xfrm>
-          <a:off x="0" y="0"/>
-          <a:ext cx="0" cy="0"/>
-          <a:chOff x="0" y="0"/>
-          <a:chExt cx="0" cy="0"/>
-        </a:xfrm>
-      </p:grpSpPr>
-      <p:sp>
-        <p:nvSpPr>
-          <p:cNvPr id="2" name="object 2"/>
-          <p:cNvSpPr/>
-          <p:nvPr/>
-        </p:nvSpPr>
-        <p:spPr>
-          <a:xfrm>
-            <a:off x="8218931" y="4978146"/>
-            <a:ext cx="684276" cy="594360"/>
-          </a:xfrm>
-          <a:prstGeom prst="rect">
-            <a:avLst/>
-          </a:prstGeom>
-          <a:blipFill>
-            <a:blip r:embed="rId2" cstate="print"/>
-            <a:stretch>
-              <a:fillRect/>
-            </a:stretch>
-          </a:blipFill>
-        </p:spPr>
-        <p:txBody>
-          <a:bodyPr wrap="square" lIns="0" tIns="0" rIns="0" bIns="0" rtlCol="0">
-            <a:noAutofit/>
-          </a:bodyPr>
-          <a:lstStyle/>
-          <a:p>
-            <a:endParaRPr/>
-          </a:p>
-        </p:txBody>
-      </p:sp>
-      <p:sp>
-        <p:nvSpPr>
-          <p:cNvPr id="3" name="object 3"/>
-          <p:cNvSpPr/>
-          <p:nvPr/>
-        </p:nvSpPr>
-        <p:spPr>
-          <a:xfrm>
-            <a:off x="315468" y="1035558"/>
-            <a:ext cx="1089660" cy="943355"/>
-          </a:xfrm>
-          <a:prstGeom prst="rect">
-            <a:avLst/>
-          </a:prstGeom>
-          <a:blipFill>
-            <a:blip r:embed="rId3" cstate="print"/>
-            <a:stretch>
-              <a:fillRect/>
-            </a:stretch>
-          </a:blipFill>
-        </p:spPr>
-        <p:txBody>
-          <a:bodyPr wrap="square" lIns="0" tIns="0" rIns="0" bIns="0" rtlCol="0">
-            <a:noAutofit/>
-          </a:bodyPr>
-          <a:lstStyle/>
-          <a:p>
-            <a:endParaRPr/>
-          </a:p>
-        </p:txBody>
-      </p:sp>
-      <p:sp>
-        <p:nvSpPr>
-          <p:cNvPr id="4" name="object 4"/>
-          <p:cNvSpPr/>
-          <p:nvPr/>
-        </p:nvSpPr>
-        <p:spPr>
-          <a:xfrm>
-            <a:off x="0" y="1704595"/>
-            <a:ext cx="550164" cy="585215"/>
-          </a:xfrm>
-          <a:custGeom>
-            <a:avLst/>
-            <a:gdLst/>
-            <a:ahLst/>
-            <a:cxnLst/>
-            <a:rect l="l" t="t" r="r" b="b"/>
-            <a:pathLst>
-              <a:path w="550164" h="585215">
-                <a:moveTo>
-                  <a:pt x="0" y="507832"/>
-                </a:moveTo>
-                <a:lnTo>
-                  <a:pt x="44383" y="585215"/>
-                </a:lnTo>
-                <a:lnTo>
-                  <a:pt x="382333" y="585215"/>
-                </a:lnTo>
-                <a:lnTo>
-                  <a:pt x="550164" y="292607"/>
-                </a:lnTo>
-                <a:lnTo>
-                  <a:pt x="382333" y="0"/>
-                </a:lnTo>
-                <a:lnTo>
-                  <a:pt x="44383" y="0"/>
-                </a:lnTo>
-                <a:lnTo>
-                  <a:pt x="0" y="77383"/>
-                </a:lnTo>
-              </a:path>
-            </a:pathLst>
-          </a:custGeom>
-          <a:ln w="9144">
-            <a:solidFill>
-              <a:srgbClr val="18BAD4"/>
-            </a:solidFill>
-          </a:ln>
-        </p:spPr>
-        <p:txBody>
-          <a:bodyPr wrap="square" lIns="0" tIns="0" rIns="0" bIns="0" rtlCol="0">
-            <a:noAutofit/>
-          </a:bodyPr>
-          <a:lstStyle/>
-          <a:p>
-            <a:endParaRPr/>
-          </a:p>
-        </p:txBody>
-      </p:sp>
-      <p:sp>
-        <p:nvSpPr>
-          <p:cNvPr id="5" name="object 5"/>
-          <p:cNvSpPr/>
-          <p:nvPr/>
-        </p:nvSpPr>
-        <p:spPr>
-          <a:xfrm>
-            <a:off x="502920" y="2018538"/>
-            <a:ext cx="353567" cy="306324"/>
-          </a:xfrm>
-          <a:custGeom>
-            <a:avLst/>
-            <a:gdLst/>
-            <a:ahLst/>
-            <a:cxnLst/>
-            <a:rect l="l" t="t" r="r" b="b"/>
-            <a:pathLst>
-              <a:path w="353568" h="306324">
-                <a:moveTo>
-                  <a:pt x="265722" y="0"/>
-                </a:moveTo>
-                <a:lnTo>
-                  <a:pt x="87845" y="0"/>
-                </a:lnTo>
-                <a:lnTo>
-                  <a:pt x="0" y="153162"/>
-                </a:lnTo>
-                <a:lnTo>
-                  <a:pt x="87845" y="306324"/>
-                </a:lnTo>
-                <a:lnTo>
-                  <a:pt x="265722" y="306324"/>
-                </a:lnTo>
-                <a:lnTo>
-                  <a:pt x="353567" y="153162"/>
-                </a:lnTo>
-                <a:lnTo>
-                  <a:pt x="265722" y="0"/>
-                </a:lnTo>
-                <a:close/>
-              </a:path>
-            </a:pathLst>
-          </a:custGeom>
-          <a:solidFill>
-            <a:srgbClr val="174669"/>
-          </a:solidFill>
-        </p:spPr>
-        <p:txBody>
-          <a:bodyPr wrap="square" lIns="0" tIns="0" rIns="0" bIns="0" rtlCol="0">
-            <a:noAutofit/>
-          </a:bodyPr>
-          <a:lstStyle/>
-          <a:p>
-            <a:endParaRPr/>
-          </a:p>
-        </p:txBody>
-      </p:sp>
-      <p:sp>
-        <p:nvSpPr>
-          <p:cNvPr id="6" name="object 6"/>
-          <p:cNvSpPr/>
-          <p:nvPr/>
-        </p:nvSpPr>
-        <p:spPr>
-          <a:xfrm>
-            <a:off x="1208533" y="857251"/>
-            <a:ext cx="673607" cy="452627"/>
-          </a:xfrm>
-          <a:custGeom>
-            <a:avLst/>
-            <a:gdLst/>
-            <a:ahLst/>
-            <a:cxnLst/>
-            <a:rect l="l" t="t" r="r" b="b"/>
-            <a:pathLst>
-              <a:path w="673607" h="452627">
-                <a:moveTo>
-                  <a:pt x="0" y="160781"/>
-                </a:moveTo>
-                <a:lnTo>
-                  <a:pt x="167386" y="452627"/>
-                </a:lnTo>
-                <a:lnTo>
-                  <a:pt x="506222" y="452627"/>
-                </a:lnTo>
-                <a:lnTo>
-                  <a:pt x="673607" y="160781"/>
-                </a:lnTo>
-                <a:lnTo>
-                  <a:pt x="581393" y="0"/>
-                </a:lnTo>
-              </a:path>
-            </a:pathLst>
-          </a:custGeom>
-          <a:ln w="76200">
-            <a:solidFill>
-              <a:srgbClr val="174669"/>
-            </a:solidFill>
-          </a:ln>
-        </p:spPr>
-        <p:txBody>
-          <a:bodyPr wrap="square" lIns="0" tIns="0" rIns="0" bIns="0" rtlCol="0">
-            <a:noAutofit/>
-          </a:bodyPr>
-          <a:lstStyle/>
-          <a:p>
-            <a:endParaRPr/>
-          </a:p>
-        </p:txBody>
-      </p:sp>
-      <p:sp>
-        <p:nvSpPr>
-          <p:cNvPr id="7" name="object 7"/>
-          <p:cNvSpPr/>
-          <p:nvPr/>
-        </p:nvSpPr>
-        <p:spPr>
-          <a:xfrm>
-            <a:off x="1208532" y="857251"/>
-            <a:ext cx="92214" cy="160781"/>
-          </a:xfrm>
-          <a:custGeom>
-            <a:avLst/>
-            <a:gdLst/>
-            <a:ahLst/>
-            <a:cxnLst/>
-            <a:rect l="l" t="t" r="r" b="b"/>
-            <a:pathLst>
-              <a:path w="92214" h="160781">
-                <a:moveTo>
-                  <a:pt x="92214" y="0"/>
-                </a:moveTo>
-                <a:lnTo>
-                  <a:pt x="0" y="160781"/>
-                </a:lnTo>
-              </a:path>
-            </a:pathLst>
-          </a:custGeom>
-          <a:ln w="76199">
-            <a:solidFill>
-              <a:srgbClr val="174669"/>
-            </a:solidFill>
-          </a:ln>
-        </p:spPr>
-        <p:txBody>
-          <a:bodyPr wrap="square" lIns="0" tIns="0" rIns="0" bIns="0" rtlCol="0">
-            <a:noAutofit/>
-          </a:bodyPr>
-          <a:lstStyle/>
-          <a:p>
-            <a:endParaRPr/>
-          </a:p>
-        </p:txBody>
-      </p:sp>
-      <p:sp>
-        <p:nvSpPr>
-          <p:cNvPr id="8" name="object 8"/>
-          <p:cNvSpPr/>
-          <p:nvPr/>
-        </p:nvSpPr>
-        <p:spPr>
-          <a:xfrm>
-            <a:off x="248411" y="907542"/>
-            <a:ext cx="294132" cy="254508"/>
-          </a:xfrm>
-          <a:custGeom>
-            <a:avLst/>
-            <a:gdLst/>
-            <a:ahLst/>
-            <a:cxnLst/>
-            <a:rect l="l" t="t" r="r" b="b"/>
-            <a:pathLst>
-              <a:path w="294131" h="254508">
-                <a:moveTo>
-                  <a:pt x="221145" y="0"/>
-                </a:moveTo>
-                <a:lnTo>
-                  <a:pt x="72986" y="0"/>
-                </a:lnTo>
-                <a:lnTo>
-                  <a:pt x="0" y="127254"/>
-                </a:lnTo>
-                <a:lnTo>
-                  <a:pt x="72986" y="254508"/>
-                </a:lnTo>
-                <a:lnTo>
-                  <a:pt x="221145" y="254508"/>
-                </a:lnTo>
-                <a:lnTo>
-                  <a:pt x="294132" y="127254"/>
-                </a:lnTo>
-                <a:lnTo>
-                  <a:pt x="221145" y="0"/>
-                </a:lnTo>
-                <a:close/>
-              </a:path>
-            </a:pathLst>
-          </a:custGeom>
-          <a:solidFill>
-            <a:srgbClr val="00E0C5"/>
-          </a:solidFill>
-        </p:spPr>
-        <p:txBody>
-          <a:bodyPr wrap="square" lIns="0" tIns="0" rIns="0" bIns="0" rtlCol="0">
-            <a:noAutofit/>
-          </a:bodyPr>
-          <a:lstStyle/>
-          <a:p>
-            <a:endParaRPr/>
-          </a:p>
-        </p:txBody>
-      </p:sp>
-      <p:sp>
-        <p:nvSpPr>
-          <p:cNvPr id="9" name="object 9"/>
-          <p:cNvSpPr/>
-          <p:nvPr/>
-        </p:nvSpPr>
-        <p:spPr>
-          <a:xfrm>
-            <a:off x="8763000" y="5578602"/>
-            <a:ext cx="381000" cy="234696"/>
-          </a:xfrm>
-          <a:custGeom>
-            <a:avLst/>
-            <a:gdLst/>
-            <a:ahLst/>
-            <a:cxnLst/>
-            <a:rect l="l" t="t" r="r" b="b"/>
-            <a:pathLst>
-              <a:path w="381000" h="234696">
-                <a:moveTo>
-                  <a:pt x="0" y="0"/>
-                </a:moveTo>
-                <a:lnTo>
-                  <a:pt x="134620" y="234696"/>
-                </a:lnTo>
-                <a:lnTo>
-                  <a:pt x="381000" y="234696"/>
-                </a:lnTo>
-              </a:path>
-            </a:pathLst>
-          </a:custGeom>
-          <a:ln w="9144">
-            <a:solidFill>
-              <a:srgbClr val="174669"/>
-            </a:solidFill>
-          </a:ln>
-        </p:spPr>
-        <p:txBody>
-          <a:bodyPr wrap="square" lIns="0" tIns="0" rIns="0" bIns="0" rtlCol="0">
-            <a:noAutofit/>
-          </a:bodyPr>
-          <a:lstStyle/>
-          <a:p>
-            <a:endParaRPr/>
-          </a:p>
-        </p:txBody>
-      </p:sp>
-      <p:sp>
-        <p:nvSpPr>
-          <p:cNvPr id="10" name="object 10"/>
-          <p:cNvSpPr/>
-          <p:nvPr/>
-        </p:nvSpPr>
-        <p:spPr>
-          <a:xfrm>
-            <a:off x="8763000" y="5343906"/>
-            <a:ext cx="381000" cy="234695"/>
-          </a:xfrm>
-          <a:custGeom>
-            <a:avLst/>
-            <a:gdLst/>
-            <a:ahLst/>
-            <a:cxnLst/>
-            <a:rect l="l" t="t" r="r" b="b"/>
-            <a:pathLst>
-              <a:path w="381000" h="234696">
-                <a:moveTo>
-                  <a:pt x="381000" y="0"/>
-                </a:moveTo>
-                <a:lnTo>
-                  <a:pt x="134620" y="0"/>
-                </a:lnTo>
-                <a:lnTo>
-                  <a:pt x="0" y="234696"/>
-                </a:lnTo>
-              </a:path>
-            </a:pathLst>
-          </a:custGeom>
-          <a:ln w="9144">
-            <a:solidFill>
-              <a:srgbClr val="174669"/>
-            </a:solidFill>
-          </a:ln>
-        </p:spPr>
-        <p:txBody>
-          <a:bodyPr wrap="square" lIns="0" tIns="0" rIns="0" bIns="0" rtlCol="0">
-            <a:noAutofit/>
-          </a:bodyPr>
-          <a:lstStyle/>
-          <a:p>
-            <a:endParaRPr/>
-          </a:p>
-        </p:txBody>
-      </p:sp>
-      <p:sp>
-        <p:nvSpPr>
-          <p:cNvPr id="11" name="object 11"/>
-          <p:cNvSpPr/>
-          <p:nvPr/>
-        </p:nvSpPr>
-        <p:spPr>
-          <a:xfrm>
-            <a:off x="8523731" y="5598414"/>
-            <a:ext cx="283464" cy="245364"/>
-          </a:xfrm>
-          <a:custGeom>
-            <a:avLst/>
-            <a:gdLst/>
-            <a:ahLst/>
-            <a:cxnLst/>
-            <a:rect l="l" t="t" r="r" b="b"/>
-            <a:pathLst>
-              <a:path w="283464" h="245363">
-                <a:moveTo>
-                  <a:pt x="213106" y="0"/>
-                </a:moveTo>
-                <a:lnTo>
-                  <a:pt x="70358" y="0"/>
-                </a:lnTo>
-                <a:lnTo>
-                  <a:pt x="0" y="122682"/>
-                </a:lnTo>
-                <a:lnTo>
-                  <a:pt x="70358" y="245364"/>
-                </a:lnTo>
-                <a:lnTo>
-                  <a:pt x="213106" y="245364"/>
-                </a:lnTo>
-                <a:lnTo>
-                  <a:pt x="283464" y="122682"/>
-                </a:lnTo>
-                <a:lnTo>
-                  <a:pt x="213106" y="0"/>
-                </a:lnTo>
-                <a:close/>
-              </a:path>
-            </a:pathLst>
-          </a:custGeom>
-          <a:solidFill>
-            <a:srgbClr val="3192E0"/>
-          </a:solidFill>
-        </p:spPr>
-        <p:txBody>
-          <a:bodyPr wrap="square" lIns="0" tIns="0" rIns="0" bIns="0" rtlCol="0">
-            <a:noAutofit/>
-          </a:bodyPr>
-          <a:lstStyle/>
-          <a:p>
-            <a:endParaRPr/>
-          </a:p>
-        </p:txBody>
-      </p:sp>
-      <p:sp>
-        <p:nvSpPr>
-          <p:cNvPr id="12" name="object 12"/>
-          <p:cNvSpPr/>
-          <p:nvPr/>
-        </p:nvSpPr>
-        <p:spPr>
-          <a:xfrm>
-            <a:off x="8322565" y="4485894"/>
-            <a:ext cx="542543" cy="469392"/>
-          </a:xfrm>
-          <a:custGeom>
-            <a:avLst/>
-            <a:gdLst/>
-            <a:ahLst/>
-            <a:cxnLst/>
-            <a:rect l="l" t="t" r="r" b="b"/>
-            <a:pathLst>
-              <a:path w="542543" h="469392">
-                <a:moveTo>
-                  <a:pt x="407924" y="0"/>
-                </a:moveTo>
-                <a:lnTo>
-                  <a:pt x="134619" y="0"/>
-                </a:lnTo>
-                <a:lnTo>
-                  <a:pt x="0" y="234695"/>
-                </a:lnTo>
-                <a:lnTo>
-                  <a:pt x="134619" y="469391"/>
-                </a:lnTo>
-                <a:lnTo>
-                  <a:pt x="407924" y="469391"/>
-                </a:lnTo>
-                <a:lnTo>
-                  <a:pt x="542543" y="234695"/>
-                </a:lnTo>
-                <a:lnTo>
-                  <a:pt x="407924" y="0"/>
-                </a:lnTo>
-                <a:close/>
-              </a:path>
-            </a:pathLst>
-          </a:custGeom>
-          <a:solidFill>
-            <a:srgbClr val="174669"/>
-          </a:solidFill>
-        </p:spPr>
-        <p:txBody>
-          <a:bodyPr wrap="square" lIns="0" tIns="0" rIns="0" bIns="0" rtlCol="0">
-            <a:noAutofit/>
-          </a:bodyPr>
-          <a:lstStyle/>
-          <a:p>
-            <a:endParaRPr/>
-          </a:p>
-        </p:txBody>
-      </p:sp>
-      <p:sp>
-        <p:nvSpPr>
-          <p:cNvPr id="13" name="object 13"/>
-          <p:cNvSpPr/>
-          <p:nvPr/>
-        </p:nvSpPr>
-        <p:spPr>
-          <a:xfrm>
-            <a:off x="8763761" y="4867655"/>
-            <a:ext cx="237744" cy="205740"/>
-          </a:xfrm>
-          <a:custGeom>
-            <a:avLst/>
-            <a:gdLst/>
-            <a:ahLst/>
-            <a:cxnLst/>
-            <a:rect l="l" t="t" r="r" b="b"/>
-            <a:pathLst>
-              <a:path w="237744" h="205739">
-                <a:moveTo>
-                  <a:pt x="0" y="102870"/>
-                </a:moveTo>
-                <a:lnTo>
-                  <a:pt x="59055" y="205740"/>
-                </a:lnTo>
-                <a:lnTo>
-                  <a:pt x="178689" y="205740"/>
-                </a:lnTo>
-                <a:lnTo>
-                  <a:pt x="237744" y="102870"/>
-                </a:lnTo>
-                <a:lnTo>
-                  <a:pt x="178689" y="0"/>
-                </a:lnTo>
-                <a:lnTo>
-                  <a:pt x="59055" y="0"/>
-                </a:lnTo>
-                <a:lnTo>
-                  <a:pt x="0" y="102870"/>
-                </a:lnTo>
-                <a:close/>
-              </a:path>
-            </a:pathLst>
-          </a:custGeom>
-          <a:ln w="19811">
-            <a:solidFill>
-              <a:srgbClr val="00E0C5"/>
-            </a:solidFill>
-          </a:ln>
-        </p:spPr>
-        <p:txBody>
-          <a:bodyPr wrap="square" lIns="0" tIns="0" rIns="0" bIns="0" rtlCol="0">
-            <a:noAutofit/>
-          </a:bodyPr>
-          <a:lstStyle/>
-          <a:p>
-            <a:endParaRPr/>
-          </a:p>
-        </p:txBody>
-      </p:sp>
-      <p:sp>
-        <p:nvSpPr>
-          <p:cNvPr id="14" name="object 14"/>
-          <p:cNvSpPr/>
-          <p:nvPr/>
-        </p:nvSpPr>
-        <p:spPr>
-          <a:xfrm>
-            <a:off x="909827" y="1533905"/>
-            <a:ext cx="2142744" cy="1856232"/>
-          </a:xfrm>
-          <a:prstGeom prst="rect">
-            <a:avLst/>
-          </a:prstGeom>
-          <a:blipFill>
-            <a:blip r:embed="rId4" cstate="print"/>
-            <a:stretch>
-              <a:fillRect/>
-            </a:stretch>
-          </a:blipFill>
-        </p:spPr>
-        <p:txBody>
-          <a:bodyPr wrap="square" lIns="0" tIns="0" rIns="0" bIns="0" rtlCol="0">
-            <a:noAutofit/>
-          </a:bodyPr>
-          <a:lstStyle/>
-          <a:p>
-            <a:endParaRPr/>
-          </a:p>
-        </p:txBody>
-      </p:sp>
-      <p:sp>
-        <p:nvSpPr>
-          <p:cNvPr id="15" name="object 15"/>
-          <p:cNvSpPr txBox="1"/>
-          <p:nvPr/>
-        </p:nvSpPr>
-        <p:spPr>
-          <a:xfrm>
-            <a:off x="3232150" y="1996821"/>
-            <a:ext cx="3932138" cy="1283335"/>
-          </a:xfrm>
-          <a:prstGeom prst="rect">
-            <a:avLst/>
-          </a:prstGeom>
-        </p:spPr>
-        <p:txBody>
-          <a:bodyPr vert="horz" wrap="square" lIns="0" tIns="0" rIns="0" bIns="0" rtlCol="0">
-            <a:noAutofit/>
-          </a:bodyPr>
-          <a:lstStyle/>
-          <a:p>
-            <a:pPr marL="12700"/>
-            <a:r>
-              <a:rPr sz="8000" b="1" dirty="0">
-                <a:solidFill>
-                  <a:srgbClr val="002060"/>
-                </a:solidFill>
-                <a:latin typeface="Calibri"/>
-                <a:cs typeface="Calibri"/>
-              </a:rPr>
-              <a:t>Gracias</a:t>
-            </a:r>
-          </a:p>
-        </p:txBody>
-      </p:sp>
-      <p:sp>
-        <p:nvSpPr>
-          <p:cNvPr id="16" name="object 16"/>
-          <p:cNvSpPr/>
-          <p:nvPr/>
-        </p:nvSpPr>
-        <p:spPr>
-          <a:xfrm>
-            <a:off x="1591055" y="2070353"/>
-            <a:ext cx="780288" cy="778764"/>
-          </a:xfrm>
-          <a:custGeom>
-            <a:avLst/>
-            <a:gdLst/>
-            <a:ahLst/>
-            <a:cxnLst/>
-            <a:rect l="l" t="t" r="r" b="b"/>
-            <a:pathLst>
-              <a:path w="780288" h="778764">
-                <a:moveTo>
-                  <a:pt x="410082" y="0"/>
-                </a:moveTo>
-                <a:lnTo>
-                  <a:pt x="370205" y="0"/>
-                </a:lnTo>
-                <a:lnTo>
-                  <a:pt x="311657" y="7493"/>
-                </a:lnTo>
-                <a:lnTo>
-                  <a:pt x="274193" y="17525"/>
-                </a:lnTo>
-                <a:lnTo>
-                  <a:pt x="255524" y="23622"/>
-                </a:lnTo>
-                <a:lnTo>
-                  <a:pt x="220599" y="38608"/>
-                </a:lnTo>
-                <a:lnTo>
-                  <a:pt x="204469" y="47371"/>
-                </a:lnTo>
-                <a:lnTo>
-                  <a:pt x="188213" y="56007"/>
-                </a:lnTo>
-                <a:lnTo>
-                  <a:pt x="142112" y="88392"/>
-                </a:lnTo>
-                <a:lnTo>
-                  <a:pt x="100964" y="128143"/>
-                </a:lnTo>
-                <a:lnTo>
-                  <a:pt x="66039" y="171704"/>
-                </a:lnTo>
-                <a:lnTo>
-                  <a:pt x="38735" y="220218"/>
-                </a:lnTo>
-                <a:lnTo>
-                  <a:pt x="17399" y="273685"/>
-                </a:lnTo>
-                <a:lnTo>
-                  <a:pt x="7493" y="311023"/>
-                </a:lnTo>
-                <a:lnTo>
-                  <a:pt x="2540" y="349631"/>
-                </a:lnTo>
-                <a:lnTo>
-                  <a:pt x="0" y="369570"/>
-                </a:lnTo>
-                <a:lnTo>
-                  <a:pt x="0" y="409321"/>
-                </a:lnTo>
-                <a:lnTo>
-                  <a:pt x="2540" y="429260"/>
-                </a:lnTo>
-                <a:lnTo>
-                  <a:pt x="4953" y="449072"/>
-                </a:lnTo>
-                <a:lnTo>
-                  <a:pt x="17399" y="505079"/>
-                </a:lnTo>
-                <a:lnTo>
-                  <a:pt x="38735" y="558546"/>
-                </a:lnTo>
-                <a:lnTo>
-                  <a:pt x="66039" y="607060"/>
-                </a:lnTo>
-                <a:lnTo>
-                  <a:pt x="100964" y="650621"/>
-                </a:lnTo>
-                <a:lnTo>
-                  <a:pt x="128396" y="677926"/>
-                </a:lnTo>
-                <a:lnTo>
-                  <a:pt x="172085" y="712851"/>
-                </a:lnTo>
-                <a:lnTo>
-                  <a:pt x="220599" y="740156"/>
-                </a:lnTo>
-                <a:lnTo>
-                  <a:pt x="274193" y="761365"/>
-                </a:lnTo>
-                <a:lnTo>
-                  <a:pt x="311657" y="771271"/>
-                </a:lnTo>
-                <a:lnTo>
-                  <a:pt x="370205" y="778764"/>
-                </a:lnTo>
-                <a:lnTo>
-                  <a:pt x="410082" y="778764"/>
-                </a:lnTo>
-                <a:lnTo>
-                  <a:pt x="449961" y="773811"/>
-                </a:lnTo>
-                <a:lnTo>
-                  <a:pt x="506094" y="761365"/>
-                </a:lnTo>
-                <a:lnTo>
-                  <a:pt x="559562" y="740156"/>
-                </a:lnTo>
-                <a:lnTo>
-                  <a:pt x="608202" y="712851"/>
-                </a:lnTo>
-                <a:lnTo>
-                  <a:pt x="651891" y="677926"/>
-                </a:lnTo>
-                <a:lnTo>
-                  <a:pt x="679323" y="650621"/>
-                </a:lnTo>
-                <a:lnTo>
-                  <a:pt x="682664" y="646938"/>
-                </a:lnTo>
-                <a:lnTo>
-                  <a:pt x="390144" y="646938"/>
-                </a:lnTo>
-                <a:lnTo>
-                  <a:pt x="361442" y="645668"/>
-                </a:lnTo>
-                <a:lnTo>
-                  <a:pt x="306705" y="634492"/>
-                </a:lnTo>
-                <a:lnTo>
-                  <a:pt x="254254" y="613283"/>
-                </a:lnTo>
-                <a:lnTo>
-                  <a:pt x="206882" y="582168"/>
-                </a:lnTo>
-                <a:lnTo>
-                  <a:pt x="183261" y="558546"/>
-                </a:lnTo>
-                <a:lnTo>
-                  <a:pt x="180720" y="554863"/>
-                </a:lnTo>
-                <a:lnTo>
-                  <a:pt x="179450" y="549910"/>
-                </a:lnTo>
-                <a:lnTo>
-                  <a:pt x="178307" y="544830"/>
-                </a:lnTo>
-                <a:lnTo>
-                  <a:pt x="179450" y="541147"/>
-                </a:lnTo>
-                <a:lnTo>
-                  <a:pt x="180720" y="536194"/>
-                </a:lnTo>
-                <a:lnTo>
-                  <a:pt x="203200" y="520065"/>
-                </a:lnTo>
-                <a:lnTo>
-                  <a:pt x="757766" y="520065"/>
-                </a:lnTo>
-                <a:lnTo>
-                  <a:pt x="762762" y="505079"/>
-                </a:lnTo>
-                <a:lnTo>
-                  <a:pt x="767842" y="486410"/>
-                </a:lnTo>
-                <a:lnTo>
-                  <a:pt x="772794" y="467741"/>
-                </a:lnTo>
-                <a:lnTo>
-                  <a:pt x="775335" y="449072"/>
-                </a:lnTo>
-                <a:lnTo>
-                  <a:pt x="775938" y="444119"/>
-                </a:lnTo>
-                <a:lnTo>
-                  <a:pt x="230631" y="444119"/>
-                </a:lnTo>
-                <a:lnTo>
-                  <a:pt x="221869" y="442849"/>
-                </a:lnTo>
-                <a:lnTo>
-                  <a:pt x="189483" y="414274"/>
-                </a:lnTo>
-                <a:lnTo>
-                  <a:pt x="185800" y="395605"/>
-                </a:lnTo>
-                <a:lnTo>
-                  <a:pt x="186944" y="385699"/>
-                </a:lnTo>
-                <a:lnTo>
-                  <a:pt x="213106" y="350774"/>
-                </a:lnTo>
-                <a:lnTo>
-                  <a:pt x="230631" y="347091"/>
-                </a:lnTo>
-                <a:lnTo>
-                  <a:pt x="777440" y="347091"/>
-                </a:lnTo>
-                <a:lnTo>
-                  <a:pt x="775335" y="329692"/>
-                </a:lnTo>
-                <a:lnTo>
-                  <a:pt x="762762" y="273685"/>
-                </a:lnTo>
-                <a:lnTo>
-                  <a:pt x="741552" y="220218"/>
-                </a:lnTo>
-                <a:lnTo>
-                  <a:pt x="714248" y="171704"/>
-                </a:lnTo>
-                <a:lnTo>
-                  <a:pt x="679323" y="128143"/>
-                </a:lnTo>
-                <a:lnTo>
-                  <a:pt x="651891" y="100837"/>
-                </a:lnTo>
-                <a:lnTo>
-                  <a:pt x="608202" y="65912"/>
-                </a:lnTo>
-                <a:lnTo>
-                  <a:pt x="559562" y="38608"/>
-                </a:lnTo>
-                <a:lnTo>
-                  <a:pt x="506094" y="17525"/>
-                </a:lnTo>
-                <a:lnTo>
-                  <a:pt x="468630" y="7493"/>
-                </a:lnTo>
-                <a:lnTo>
-                  <a:pt x="410082" y="0"/>
-                </a:lnTo>
-                <a:close/>
-              </a:path>
-              <a:path w="780288" h="778764">
-                <a:moveTo>
-                  <a:pt x="757766" y="520065"/>
-                </a:moveTo>
-                <a:lnTo>
-                  <a:pt x="577088" y="520065"/>
-                </a:lnTo>
-                <a:lnTo>
-                  <a:pt x="582041" y="521208"/>
-                </a:lnTo>
-                <a:lnTo>
-                  <a:pt x="585851" y="522478"/>
-                </a:lnTo>
-                <a:lnTo>
-                  <a:pt x="600710" y="541147"/>
-                </a:lnTo>
-                <a:lnTo>
-                  <a:pt x="601980" y="544830"/>
-                </a:lnTo>
-                <a:lnTo>
-                  <a:pt x="600710" y="549910"/>
-                </a:lnTo>
-                <a:lnTo>
-                  <a:pt x="599567" y="554863"/>
-                </a:lnTo>
-                <a:lnTo>
-                  <a:pt x="597026" y="558546"/>
-                </a:lnTo>
-                <a:lnTo>
-                  <a:pt x="550926" y="599694"/>
-                </a:lnTo>
-                <a:lnTo>
-                  <a:pt x="501142" y="625729"/>
-                </a:lnTo>
-                <a:lnTo>
-                  <a:pt x="447420" y="641858"/>
-                </a:lnTo>
-                <a:lnTo>
-                  <a:pt x="390144" y="646938"/>
-                </a:lnTo>
-                <a:lnTo>
-                  <a:pt x="682664" y="646938"/>
-                </a:lnTo>
-                <a:lnTo>
-                  <a:pt x="714248" y="607060"/>
-                </a:lnTo>
-                <a:lnTo>
-                  <a:pt x="741552" y="558546"/>
-                </a:lnTo>
-                <a:lnTo>
-                  <a:pt x="756538" y="523748"/>
-                </a:lnTo>
-                <a:lnTo>
-                  <a:pt x="757766" y="520065"/>
-                </a:lnTo>
-                <a:close/>
-              </a:path>
-              <a:path w="780288" h="778764">
-                <a:moveTo>
-                  <a:pt x="577088" y="520065"/>
-                </a:moveTo>
-                <a:lnTo>
-                  <a:pt x="203200" y="520065"/>
-                </a:lnTo>
-                <a:lnTo>
-                  <a:pt x="208152" y="521208"/>
-                </a:lnTo>
-                <a:lnTo>
-                  <a:pt x="213106" y="522478"/>
-                </a:lnTo>
-                <a:lnTo>
-                  <a:pt x="216916" y="525018"/>
-                </a:lnTo>
-                <a:lnTo>
-                  <a:pt x="220599" y="527431"/>
-                </a:lnTo>
-                <a:lnTo>
-                  <a:pt x="239394" y="543687"/>
-                </a:lnTo>
-                <a:lnTo>
-                  <a:pt x="278002" y="569849"/>
-                </a:lnTo>
-                <a:lnTo>
-                  <a:pt x="320294" y="587248"/>
-                </a:lnTo>
-                <a:lnTo>
-                  <a:pt x="366521" y="595884"/>
-                </a:lnTo>
-                <a:lnTo>
-                  <a:pt x="390144" y="597154"/>
-                </a:lnTo>
-                <a:lnTo>
-                  <a:pt x="413766" y="595884"/>
-                </a:lnTo>
-                <a:lnTo>
-                  <a:pt x="459994" y="587248"/>
-                </a:lnTo>
-                <a:lnTo>
-                  <a:pt x="502285" y="569849"/>
-                </a:lnTo>
-                <a:lnTo>
-                  <a:pt x="540893" y="543687"/>
-                </a:lnTo>
-                <a:lnTo>
-                  <a:pt x="559562" y="527431"/>
-                </a:lnTo>
-                <a:lnTo>
-                  <a:pt x="563371" y="525018"/>
-                </a:lnTo>
-                <a:lnTo>
-                  <a:pt x="567182" y="522478"/>
-                </a:lnTo>
-                <a:lnTo>
-                  <a:pt x="572135" y="521208"/>
-                </a:lnTo>
-                <a:lnTo>
-                  <a:pt x="577088" y="520065"/>
-                </a:lnTo>
-                <a:close/>
-              </a:path>
-              <a:path w="780288" h="778764">
-                <a:moveTo>
-                  <a:pt x="549656" y="347091"/>
-                </a:moveTo>
-                <a:lnTo>
-                  <a:pt x="230631" y="347091"/>
-                </a:lnTo>
-                <a:lnTo>
-                  <a:pt x="239394" y="348361"/>
-                </a:lnTo>
-                <a:lnTo>
-                  <a:pt x="248031" y="350774"/>
-                </a:lnTo>
-                <a:lnTo>
-                  <a:pt x="255524" y="355854"/>
-                </a:lnTo>
-                <a:lnTo>
-                  <a:pt x="263017" y="360807"/>
-                </a:lnTo>
-                <a:lnTo>
-                  <a:pt x="267969" y="368300"/>
-                </a:lnTo>
-                <a:lnTo>
-                  <a:pt x="271780" y="376936"/>
-                </a:lnTo>
-                <a:lnTo>
-                  <a:pt x="274193" y="385699"/>
-                </a:lnTo>
-                <a:lnTo>
-                  <a:pt x="275463" y="395605"/>
-                </a:lnTo>
-                <a:lnTo>
-                  <a:pt x="274193" y="405638"/>
-                </a:lnTo>
-                <a:lnTo>
-                  <a:pt x="248031" y="440436"/>
-                </a:lnTo>
-                <a:lnTo>
-                  <a:pt x="230631" y="444119"/>
-                </a:lnTo>
-                <a:lnTo>
-                  <a:pt x="549656" y="444119"/>
-                </a:lnTo>
-                <a:lnTo>
-                  <a:pt x="512318" y="423037"/>
-                </a:lnTo>
-                <a:lnTo>
-                  <a:pt x="504825" y="395605"/>
-                </a:lnTo>
-                <a:lnTo>
-                  <a:pt x="506094" y="385699"/>
-                </a:lnTo>
-                <a:lnTo>
-                  <a:pt x="508507" y="376936"/>
-                </a:lnTo>
-                <a:lnTo>
-                  <a:pt x="512318" y="368300"/>
-                </a:lnTo>
-                <a:lnTo>
-                  <a:pt x="517270" y="360807"/>
-                </a:lnTo>
-                <a:lnTo>
-                  <a:pt x="524763" y="355854"/>
-                </a:lnTo>
-                <a:lnTo>
-                  <a:pt x="532257" y="350774"/>
-                </a:lnTo>
-                <a:lnTo>
-                  <a:pt x="540893" y="348361"/>
-                </a:lnTo>
-                <a:lnTo>
-                  <a:pt x="549656" y="347091"/>
-                </a:lnTo>
-                <a:close/>
-              </a:path>
-              <a:path w="780288" h="778764">
-                <a:moveTo>
-                  <a:pt x="777440" y="347091"/>
-                </a:moveTo>
-                <a:lnTo>
-                  <a:pt x="549656" y="347091"/>
-                </a:lnTo>
-                <a:lnTo>
-                  <a:pt x="558419" y="348361"/>
-                </a:lnTo>
-                <a:lnTo>
-                  <a:pt x="567182" y="350774"/>
-                </a:lnTo>
-                <a:lnTo>
-                  <a:pt x="593344" y="385699"/>
-                </a:lnTo>
-                <a:lnTo>
-                  <a:pt x="594487" y="395605"/>
-                </a:lnTo>
-                <a:lnTo>
-                  <a:pt x="593344" y="405638"/>
-                </a:lnTo>
-                <a:lnTo>
-                  <a:pt x="567182" y="440436"/>
-                </a:lnTo>
-                <a:lnTo>
-                  <a:pt x="549656" y="444119"/>
-                </a:lnTo>
-                <a:lnTo>
-                  <a:pt x="775938" y="444119"/>
-                </a:lnTo>
-                <a:lnTo>
-                  <a:pt x="777748" y="429260"/>
-                </a:lnTo>
-                <a:lnTo>
-                  <a:pt x="780288" y="409321"/>
-                </a:lnTo>
-                <a:lnTo>
-                  <a:pt x="780288" y="369570"/>
-                </a:lnTo>
-                <a:lnTo>
-                  <a:pt x="777748" y="349631"/>
-                </a:lnTo>
-                <a:lnTo>
-                  <a:pt x="777440" y="347091"/>
-                </a:lnTo>
-                <a:close/>
-              </a:path>
-            </a:pathLst>
-          </a:custGeom>
-          <a:solidFill>
-            <a:srgbClr val="FFFFFF"/>
-          </a:solidFill>
-        </p:spPr>
-        <p:txBody>
-          <a:bodyPr wrap="square" lIns="0" tIns="0" rIns="0" bIns="0" rtlCol="0">
-            <a:noAutofit/>
-          </a:bodyPr>
-          <a:lstStyle/>
-          <a:p>
-            <a:endParaRPr/>
-          </a:p>
-        </p:txBody>
-      </p:sp>
-    </p:spTree>
-  </p:cSld>
-  <p:clrMapOvr>
-    <a:masterClrMapping/>
-  </p:clrMapOvr>
-</p:sld>
-</file>
-
 <file path=ppt/slides/slide2.xml><?xml version="1.0" encoding="utf-8"?>
 <p:sld xmlns:a="http://schemas.openxmlformats.org/drawingml/2006/main" xmlns:r="http://schemas.openxmlformats.org/officeDocument/2006/relationships" xmlns:p="http://schemas.openxmlformats.org/presentationml/2006/main">
   <p:cSld>
@@ -14042,7 +13534,7 @@
                 </a:effectLst>
                 <a:latin typeface="Dom Casual"/>
               </a:rPr>
-              <a:t>Matrices o listas anidadas</a:t>
+              <a:t>Matrices</a:t>
             </a:r>
           </a:p>
         </p:txBody>
@@ -14060,7 +13552,7 @@
         <p:spPr>
           <a:xfrm>
             <a:off x="887413" y="1307976"/>
-            <a:ext cx="7501011" cy="3417168"/>
+            <a:ext cx="7501011" cy="2985120"/>
           </a:xfrm>
         </p:spPr>
         <p:txBody>
@@ -14088,7 +13580,7 @@
                 <a:latin typeface="Arial" pitchFamily="34" charset="0"/>
                 <a:cs typeface="Arial" pitchFamily="34" charset="0"/>
               </a:rPr>
-              <a:t>Una</a:t>
+              <a:t>Un</a:t>
             </a:r>
             <a:r>
               <a:rPr lang="es-ES_tradnl" sz="2400" dirty="0">
@@ -14105,7 +13597,7 @@
                 <a:latin typeface="Arial" pitchFamily="34" charset="0"/>
                 <a:cs typeface="Arial" pitchFamily="34" charset="0"/>
               </a:rPr>
-              <a:t>lista o arreglo</a:t>
+              <a:t>arreglo</a:t>
             </a:r>
             <a:r>
               <a:rPr lang="es-ES_tradnl" sz="2400" dirty="0">
@@ -16044,6 +15536,1203 @@
 </p:sld>
 </file>
 
+<file path=ppt/slides/slide20.xml><?xml version="1.0" encoding="utf-8"?>
+<p:sld xmlns:a="http://schemas.openxmlformats.org/drawingml/2006/main" xmlns:r="http://schemas.openxmlformats.org/officeDocument/2006/relationships" xmlns:p="http://schemas.openxmlformats.org/presentationml/2006/main">
+  <p:cSld>
+    <p:spTree>
+      <p:nvGrpSpPr>
+        <p:cNvPr id="1" name=""/>
+        <p:cNvGrpSpPr/>
+        <p:nvPr/>
+      </p:nvGrpSpPr>
+      <p:grpSpPr>
+        <a:xfrm>
+          <a:off x="0" y="0"/>
+          <a:ext cx="0" cy="0"/>
+          <a:chOff x="0" y="0"/>
+          <a:chExt cx="0" cy="0"/>
+        </a:xfrm>
+      </p:grpSpPr>
+      <p:sp>
+        <p:nvSpPr>
+          <p:cNvPr id="2" name="object 2"/>
+          <p:cNvSpPr/>
+          <p:nvPr/>
+        </p:nvSpPr>
+        <p:spPr>
+          <a:xfrm>
+            <a:off x="8218931" y="4978146"/>
+            <a:ext cx="684276" cy="594360"/>
+          </a:xfrm>
+          <a:prstGeom prst="rect">
+            <a:avLst/>
+          </a:prstGeom>
+          <a:blipFill>
+            <a:blip r:embed="rId2" cstate="print"/>
+            <a:stretch>
+              <a:fillRect/>
+            </a:stretch>
+          </a:blipFill>
+        </p:spPr>
+        <p:txBody>
+          <a:bodyPr wrap="square" lIns="0" tIns="0" rIns="0" bIns="0" rtlCol="0">
+            <a:noAutofit/>
+          </a:bodyPr>
+          <a:lstStyle/>
+          <a:p>
+            <a:endParaRPr/>
+          </a:p>
+        </p:txBody>
+      </p:sp>
+      <p:sp>
+        <p:nvSpPr>
+          <p:cNvPr id="3" name="object 3"/>
+          <p:cNvSpPr/>
+          <p:nvPr/>
+        </p:nvSpPr>
+        <p:spPr>
+          <a:xfrm>
+            <a:off x="315468" y="1035558"/>
+            <a:ext cx="1089660" cy="943355"/>
+          </a:xfrm>
+          <a:prstGeom prst="rect">
+            <a:avLst/>
+          </a:prstGeom>
+          <a:blipFill>
+            <a:blip r:embed="rId3" cstate="print"/>
+            <a:stretch>
+              <a:fillRect/>
+            </a:stretch>
+          </a:blipFill>
+        </p:spPr>
+        <p:txBody>
+          <a:bodyPr wrap="square" lIns="0" tIns="0" rIns="0" bIns="0" rtlCol="0">
+            <a:noAutofit/>
+          </a:bodyPr>
+          <a:lstStyle/>
+          <a:p>
+            <a:endParaRPr/>
+          </a:p>
+        </p:txBody>
+      </p:sp>
+      <p:sp>
+        <p:nvSpPr>
+          <p:cNvPr id="4" name="object 4"/>
+          <p:cNvSpPr/>
+          <p:nvPr/>
+        </p:nvSpPr>
+        <p:spPr>
+          <a:xfrm>
+            <a:off x="0" y="1704595"/>
+            <a:ext cx="550164" cy="585215"/>
+          </a:xfrm>
+          <a:custGeom>
+            <a:avLst/>
+            <a:gdLst/>
+            <a:ahLst/>
+            <a:cxnLst/>
+            <a:rect l="l" t="t" r="r" b="b"/>
+            <a:pathLst>
+              <a:path w="550164" h="585215">
+                <a:moveTo>
+                  <a:pt x="0" y="507832"/>
+                </a:moveTo>
+                <a:lnTo>
+                  <a:pt x="44383" y="585215"/>
+                </a:lnTo>
+                <a:lnTo>
+                  <a:pt x="382333" y="585215"/>
+                </a:lnTo>
+                <a:lnTo>
+                  <a:pt x="550164" y="292607"/>
+                </a:lnTo>
+                <a:lnTo>
+                  <a:pt x="382333" y="0"/>
+                </a:lnTo>
+                <a:lnTo>
+                  <a:pt x="44383" y="0"/>
+                </a:lnTo>
+                <a:lnTo>
+                  <a:pt x="0" y="77383"/>
+                </a:lnTo>
+              </a:path>
+            </a:pathLst>
+          </a:custGeom>
+          <a:ln w="9144">
+            <a:solidFill>
+              <a:srgbClr val="18BAD4"/>
+            </a:solidFill>
+          </a:ln>
+        </p:spPr>
+        <p:txBody>
+          <a:bodyPr wrap="square" lIns="0" tIns="0" rIns="0" bIns="0" rtlCol="0">
+            <a:noAutofit/>
+          </a:bodyPr>
+          <a:lstStyle/>
+          <a:p>
+            <a:endParaRPr/>
+          </a:p>
+        </p:txBody>
+      </p:sp>
+      <p:sp>
+        <p:nvSpPr>
+          <p:cNvPr id="5" name="object 5"/>
+          <p:cNvSpPr/>
+          <p:nvPr/>
+        </p:nvSpPr>
+        <p:spPr>
+          <a:xfrm>
+            <a:off x="502920" y="2018538"/>
+            <a:ext cx="353567" cy="306324"/>
+          </a:xfrm>
+          <a:custGeom>
+            <a:avLst/>
+            <a:gdLst/>
+            <a:ahLst/>
+            <a:cxnLst/>
+            <a:rect l="l" t="t" r="r" b="b"/>
+            <a:pathLst>
+              <a:path w="353568" h="306324">
+                <a:moveTo>
+                  <a:pt x="265722" y="0"/>
+                </a:moveTo>
+                <a:lnTo>
+                  <a:pt x="87845" y="0"/>
+                </a:lnTo>
+                <a:lnTo>
+                  <a:pt x="0" y="153162"/>
+                </a:lnTo>
+                <a:lnTo>
+                  <a:pt x="87845" y="306324"/>
+                </a:lnTo>
+                <a:lnTo>
+                  <a:pt x="265722" y="306324"/>
+                </a:lnTo>
+                <a:lnTo>
+                  <a:pt x="353567" y="153162"/>
+                </a:lnTo>
+                <a:lnTo>
+                  <a:pt x="265722" y="0"/>
+                </a:lnTo>
+                <a:close/>
+              </a:path>
+            </a:pathLst>
+          </a:custGeom>
+          <a:solidFill>
+            <a:srgbClr val="174669"/>
+          </a:solidFill>
+        </p:spPr>
+        <p:txBody>
+          <a:bodyPr wrap="square" lIns="0" tIns="0" rIns="0" bIns="0" rtlCol="0">
+            <a:noAutofit/>
+          </a:bodyPr>
+          <a:lstStyle/>
+          <a:p>
+            <a:endParaRPr/>
+          </a:p>
+        </p:txBody>
+      </p:sp>
+      <p:sp>
+        <p:nvSpPr>
+          <p:cNvPr id="6" name="object 6"/>
+          <p:cNvSpPr/>
+          <p:nvPr/>
+        </p:nvSpPr>
+        <p:spPr>
+          <a:xfrm>
+            <a:off x="1208533" y="857251"/>
+            <a:ext cx="673607" cy="452627"/>
+          </a:xfrm>
+          <a:custGeom>
+            <a:avLst/>
+            <a:gdLst/>
+            <a:ahLst/>
+            <a:cxnLst/>
+            <a:rect l="l" t="t" r="r" b="b"/>
+            <a:pathLst>
+              <a:path w="673607" h="452627">
+                <a:moveTo>
+                  <a:pt x="0" y="160781"/>
+                </a:moveTo>
+                <a:lnTo>
+                  <a:pt x="167386" y="452627"/>
+                </a:lnTo>
+                <a:lnTo>
+                  <a:pt x="506222" y="452627"/>
+                </a:lnTo>
+                <a:lnTo>
+                  <a:pt x="673607" y="160781"/>
+                </a:lnTo>
+                <a:lnTo>
+                  <a:pt x="581393" y="0"/>
+                </a:lnTo>
+              </a:path>
+            </a:pathLst>
+          </a:custGeom>
+          <a:ln w="76200">
+            <a:solidFill>
+              <a:srgbClr val="174669"/>
+            </a:solidFill>
+          </a:ln>
+        </p:spPr>
+        <p:txBody>
+          <a:bodyPr wrap="square" lIns="0" tIns="0" rIns="0" bIns="0" rtlCol="0">
+            <a:noAutofit/>
+          </a:bodyPr>
+          <a:lstStyle/>
+          <a:p>
+            <a:endParaRPr/>
+          </a:p>
+        </p:txBody>
+      </p:sp>
+      <p:sp>
+        <p:nvSpPr>
+          <p:cNvPr id="7" name="object 7"/>
+          <p:cNvSpPr/>
+          <p:nvPr/>
+        </p:nvSpPr>
+        <p:spPr>
+          <a:xfrm>
+            <a:off x="1208532" y="857251"/>
+            <a:ext cx="92214" cy="160781"/>
+          </a:xfrm>
+          <a:custGeom>
+            <a:avLst/>
+            <a:gdLst/>
+            <a:ahLst/>
+            <a:cxnLst/>
+            <a:rect l="l" t="t" r="r" b="b"/>
+            <a:pathLst>
+              <a:path w="92214" h="160781">
+                <a:moveTo>
+                  <a:pt x="92214" y="0"/>
+                </a:moveTo>
+                <a:lnTo>
+                  <a:pt x="0" y="160781"/>
+                </a:lnTo>
+              </a:path>
+            </a:pathLst>
+          </a:custGeom>
+          <a:ln w="76199">
+            <a:solidFill>
+              <a:srgbClr val="174669"/>
+            </a:solidFill>
+          </a:ln>
+        </p:spPr>
+        <p:txBody>
+          <a:bodyPr wrap="square" lIns="0" tIns="0" rIns="0" bIns="0" rtlCol="0">
+            <a:noAutofit/>
+          </a:bodyPr>
+          <a:lstStyle/>
+          <a:p>
+            <a:endParaRPr/>
+          </a:p>
+        </p:txBody>
+      </p:sp>
+      <p:sp>
+        <p:nvSpPr>
+          <p:cNvPr id="8" name="object 8"/>
+          <p:cNvSpPr/>
+          <p:nvPr/>
+        </p:nvSpPr>
+        <p:spPr>
+          <a:xfrm>
+            <a:off x="248411" y="907542"/>
+            <a:ext cx="294132" cy="254508"/>
+          </a:xfrm>
+          <a:custGeom>
+            <a:avLst/>
+            <a:gdLst/>
+            <a:ahLst/>
+            <a:cxnLst/>
+            <a:rect l="l" t="t" r="r" b="b"/>
+            <a:pathLst>
+              <a:path w="294131" h="254508">
+                <a:moveTo>
+                  <a:pt x="221145" y="0"/>
+                </a:moveTo>
+                <a:lnTo>
+                  <a:pt x="72986" y="0"/>
+                </a:lnTo>
+                <a:lnTo>
+                  <a:pt x="0" y="127254"/>
+                </a:lnTo>
+                <a:lnTo>
+                  <a:pt x="72986" y="254508"/>
+                </a:lnTo>
+                <a:lnTo>
+                  <a:pt x="221145" y="254508"/>
+                </a:lnTo>
+                <a:lnTo>
+                  <a:pt x="294132" y="127254"/>
+                </a:lnTo>
+                <a:lnTo>
+                  <a:pt x="221145" y="0"/>
+                </a:lnTo>
+                <a:close/>
+              </a:path>
+            </a:pathLst>
+          </a:custGeom>
+          <a:solidFill>
+            <a:srgbClr val="00E0C5"/>
+          </a:solidFill>
+        </p:spPr>
+        <p:txBody>
+          <a:bodyPr wrap="square" lIns="0" tIns="0" rIns="0" bIns="0" rtlCol="0">
+            <a:noAutofit/>
+          </a:bodyPr>
+          <a:lstStyle/>
+          <a:p>
+            <a:endParaRPr/>
+          </a:p>
+        </p:txBody>
+      </p:sp>
+      <p:sp>
+        <p:nvSpPr>
+          <p:cNvPr id="9" name="object 9"/>
+          <p:cNvSpPr/>
+          <p:nvPr/>
+        </p:nvSpPr>
+        <p:spPr>
+          <a:xfrm>
+            <a:off x="8763000" y="5578602"/>
+            <a:ext cx="381000" cy="234696"/>
+          </a:xfrm>
+          <a:custGeom>
+            <a:avLst/>
+            <a:gdLst/>
+            <a:ahLst/>
+            <a:cxnLst/>
+            <a:rect l="l" t="t" r="r" b="b"/>
+            <a:pathLst>
+              <a:path w="381000" h="234696">
+                <a:moveTo>
+                  <a:pt x="0" y="0"/>
+                </a:moveTo>
+                <a:lnTo>
+                  <a:pt x="134620" y="234696"/>
+                </a:lnTo>
+                <a:lnTo>
+                  <a:pt x="381000" y="234696"/>
+                </a:lnTo>
+              </a:path>
+            </a:pathLst>
+          </a:custGeom>
+          <a:ln w="9144">
+            <a:solidFill>
+              <a:srgbClr val="174669"/>
+            </a:solidFill>
+          </a:ln>
+        </p:spPr>
+        <p:txBody>
+          <a:bodyPr wrap="square" lIns="0" tIns="0" rIns="0" bIns="0" rtlCol="0">
+            <a:noAutofit/>
+          </a:bodyPr>
+          <a:lstStyle/>
+          <a:p>
+            <a:endParaRPr/>
+          </a:p>
+        </p:txBody>
+      </p:sp>
+      <p:sp>
+        <p:nvSpPr>
+          <p:cNvPr id="10" name="object 10"/>
+          <p:cNvSpPr/>
+          <p:nvPr/>
+        </p:nvSpPr>
+        <p:spPr>
+          <a:xfrm>
+            <a:off x="8763000" y="5343906"/>
+            <a:ext cx="381000" cy="234695"/>
+          </a:xfrm>
+          <a:custGeom>
+            <a:avLst/>
+            <a:gdLst/>
+            <a:ahLst/>
+            <a:cxnLst/>
+            <a:rect l="l" t="t" r="r" b="b"/>
+            <a:pathLst>
+              <a:path w="381000" h="234696">
+                <a:moveTo>
+                  <a:pt x="381000" y="0"/>
+                </a:moveTo>
+                <a:lnTo>
+                  <a:pt x="134620" y="0"/>
+                </a:lnTo>
+                <a:lnTo>
+                  <a:pt x="0" y="234696"/>
+                </a:lnTo>
+              </a:path>
+            </a:pathLst>
+          </a:custGeom>
+          <a:ln w="9144">
+            <a:solidFill>
+              <a:srgbClr val="174669"/>
+            </a:solidFill>
+          </a:ln>
+        </p:spPr>
+        <p:txBody>
+          <a:bodyPr wrap="square" lIns="0" tIns="0" rIns="0" bIns="0" rtlCol="0">
+            <a:noAutofit/>
+          </a:bodyPr>
+          <a:lstStyle/>
+          <a:p>
+            <a:endParaRPr/>
+          </a:p>
+        </p:txBody>
+      </p:sp>
+      <p:sp>
+        <p:nvSpPr>
+          <p:cNvPr id="11" name="object 11"/>
+          <p:cNvSpPr/>
+          <p:nvPr/>
+        </p:nvSpPr>
+        <p:spPr>
+          <a:xfrm>
+            <a:off x="8523731" y="5598414"/>
+            <a:ext cx="283464" cy="245364"/>
+          </a:xfrm>
+          <a:custGeom>
+            <a:avLst/>
+            <a:gdLst/>
+            <a:ahLst/>
+            <a:cxnLst/>
+            <a:rect l="l" t="t" r="r" b="b"/>
+            <a:pathLst>
+              <a:path w="283464" h="245363">
+                <a:moveTo>
+                  <a:pt x="213106" y="0"/>
+                </a:moveTo>
+                <a:lnTo>
+                  <a:pt x="70358" y="0"/>
+                </a:lnTo>
+                <a:lnTo>
+                  <a:pt x="0" y="122682"/>
+                </a:lnTo>
+                <a:lnTo>
+                  <a:pt x="70358" y="245364"/>
+                </a:lnTo>
+                <a:lnTo>
+                  <a:pt x="213106" y="245364"/>
+                </a:lnTo>
+                <a:lnTo>
+                  <a:pt x="283464" y="122682"/>
+                </a:lnTo>
+                <a:lnTo>
+                  <a:pt x="213106" y="0"/>
+                </a:lnTo>
+                <a:close/>
+              </a:path>
+            </a:pathLst>
+          </a:custGeom>
+          <a:solidFill>
+            <a:srgbClr val="3192E0"/>
+          </a:solidFill>
+        </p:spPr>
+        <p:txBody>
+          <a:bodyPr wrap="square" lIns="0" tIns="0" rIns="0" bIns="0" rtlCol="0">
+            <a:noAutofit/>
+          </a:bodyPr>
+          <a:lstStyle/>
+          <a:p>
+            <a:endParaRPr/>
+          </a:p>
+        </p:txBody>
+      </p:sp>
+      <p:sp>
+        <p:nvSpPr>
+          <p:cNvPr id="12" name="object 12"/>
+          <p:cNvSpPr/>
+          <p:nvPr/>
+        </p:nvSpPr>
+        <p:spPr>
+          <a:xfrm>
+            <a:off x="8322565" y="4485894"/>
+            <a:ext cx="542543" cy="469392"/>
+          </a:xfrm>
+          <a:custGeom>
+            <a:avLst/>
+            <a:gdLst/>
+            <a:ahLst/>
+            <a:cxnLst/>
+            <a:rect l="l" t="t" r="r" b="b"/>
+            <a:pathLst>
+              <a:path w="542543" h="469392">
+                <a:moveTo>
+                  <a:pt x="407924" y="0"/>
+                </a:moveTo>
+                <a:lnTo>
+                  <a:pt x="134619" y="0"/>
+                </a:lnTo>
+                <a:lnTo>
+                  <a:pt x="0" y="234695"/>
+                </a:lnTo>
+                <a:lnTo>
+                  <a:pt x="134619" y="469391"/>
+                </a:lnTo>
+                <a:lnTo>
+                  <a:pt x="407924" y="469391"/>
+                </a:lnTo>
+                <a:lnTo>
+                  <a:pt x="542543" y="234695"/>
+                </a:lnTo>
+                <a:lnTo>
+                  <a:pt x="407924" y="0"/>
+                </a:lnTo>
+                <a:close/>
+              </a:path>
+            </a:pathLst>
+          </a:custGeom>
+          <a:solidFill>
+            <a:srgbClr val="174669"/>
+          </a:solidFill>
+        </p:spPr>
+        <p:txBody>
+          <a:bodyPr wrap="square" lIns="0" tIns="0" rIns="0" bIns="0" rtlCol="0">
+            <a:noAutofit/>
+          </a:bodyPr>
+          <a:lstStyle/>
+          <a:p>
+            <a:endParaRPr/>
+          </a:p>
+        </p:txBody>
+      </p:sp>
+      <p:sp>
+        <p:nvSpPr>
+          <p:cNvPr id="13" name="object 13"/>
+          <p:cNvSpPr/>
+          <p:nvPr/>
+        </p:nvSpPr>
+        <p:spPr>
+          <a:xfrm>
+            <a:off x="8763761" y="4867655"/>
+            <a:ext cx="237744" cy="205740"/>
+          </a:xfrm>
+          <a:custGeom>
+            <a:avLst/>
+            <a:gdLst/>
+            <a:ahLst/>
+            <a:cxnLst/>
+            <a:rect l="l" t="t" r="r" b="b"/>
+            <a:pathLst>
+              <a:path w="237744" h="205739">
+                <a:moveTo>
+                  <a:pt x="0" y="102870"/>
+                </a:moveTo>
+                <a:lnTo>
+                  <a:pt x="59055" y="205740"/>
+                </a:lnTo>
+                <a:lnTo>
+                  <a:pt x="178689" y="205740"/>
+                </a:lnTo>
+                <a:lnTo>
+                  <a:pt x="237744" y="102870"/>
+                </a:lnTo>
+                <a:lnTo>
+                  <a:pt x="178689" y="0"/>
+                </a:lnTo>
+                <a:lnTo>
+                  <a:pt x="59055" y="0"/>
+                </a:lnTo>
+                <a:lnTo>
+                  <a:pt x="0" y="102870"/>
+                </a:lnTo>
+                <a:close/>
+              </a:path>
+            </a:pathLst>
+          </a:custGeom>
+          <a:ln w="19811">
+            <a:solidFill>
+              <a:srgbClr val="00E0C5"/>
+            </a:solidFill>
+          </a:ln>
+        </p:spPr>
+        <p:txBody>
+          <a:bodyPr wrap="square" lIns="0" tIns="0" rIns="0" bIns="0" rtlCol="0">
+            <a:noAutofit/>
+          </a:bodyPr>
+          <a:lstStyle/>
+          <a:p>
+            <a:endParaRPr/>
+          </a:p>
+        </p:txBody>
+      </p:sp>
+      <p:sp>
+        <p:nvSpPr>
+          <p:cNvPr id="14" name="object 14"/>
+          <p:cNvSpPr/>
+          <p:nvPr/>
+        </p:nvSpPr>
+        <p:spPr>
+          <a:xfrm>
+            <a:off x="909827" y="1533905"/>
+            <a:ext cx="2142744" cy="1856232"/>
+          </a:xfrm>
+          <a:prstGeom prst="rect">
+            <a:avLst/>
+          </a:prstGeom>
+          <a:blipFill>
+            <a:blip r:embed="rId4" cstate="print"/>
+            <a:stretch>
+              <a:fillRect/>
+            </a:stretch>
+          </a:blipFill>
+        </p:spPr>
+        <p:txBody>
+          <a:bodyPr wrap="square" lIns="0" tIns="0" rIns="0" bIns="0" rtlCol="0">
+            <a:noAutofit/>
+          </a:bodyPr>
+          <a:lstStyle/>
+          <a:p>
+            <a:endParaRPr/>
+          </a:p>
+        </p:txBody>
+      </p:sp>
+      <p:sp>
+        <p:nvSpPr>
+          <p:cNvPr id="15" name="object 15"/>
+          <p:cNvSpPr txBox="1"/>
+          <p:nvPr/>
+        </p:nvSpPr>
+        <p:spPr>
+          <a:xfrm>
+            <a:off x="3232150" y="1996821"/>
+            <a:ext cx="3932138" cy="1283335"/>
+          </a:xfrm>
+          <a:prstGeom prst="rect">
+            <a:avLst/>
+          </a:prstGeom>
+        </p:spPr>
+        <p:txBody>
+          <a:bodyPr vert="horz" wrap="square" lIns="0" tIns="0" rIns="0" bIns="0" rtlCol="0">
+            <a:noAutofit/>
+          </a:bodyPr>
+          <a:lstStyle/>
+          <a:p>
+            <a:pPr marL="12700"/>
+            <a:r>
+              <a:rPr sz="8000" b="1" dirty="0">
+                <a:solidFill>
+                  <a:srgbClr val="002060"/>
+                </a:solidFill>
+                <a:latin typeface="Calibri"/>
+                <a:cs typeface="Calibri"/>
+              </a:rPr>
+              <a:t>Gracias</a:t>
+            </a:r>
+          </a:p>
+        </p:txBody>
+      </p:sp>
+      <p:sp>
+        <p:nvSpPr>
+          <p:cNvPr id="16" name="object 16"/>
+          <p:cNvSpPr/>
+          <p:nvPr/>
+        </p:nvSpPr>
+        <p:spPr>
+          <a:xfrm>
+            <a:off x="1591055" y="2070353"/>
+            <a:ext cx="780288" cy="778764"/>
+          </a:xfrm>
+          <a:custGeom>
+            <a:avLst/>
+            <a:gdLst/>
+            <a:ahLst/>
+            <a:cxnLst/>
+            <a:rect l="l" t="t" r="r" b="b"/>
+            <a:pathLst>
+              <a:path w="780288" h="778764">
+                <a:moveTo>
+                  <a:pt x="410082" y="0"/>
+                </a:moveTo>
+                <a:lnTo>
+                  <a:pt x="370205" y="0"/>
+                </a:lnTo>
+                <a:lnTo>
+                  <a:pt x="311657" y="7493"/>
+                </a:lnTo>
+                <a:lnTo>
+                  <a:pt x="274193" y="17525"/>
+                </a:lnTo>
+                <a:lnTo>
+                  <a:pt x="255524" y="23622"/>
+                </a:lnTo>
+                <a:lnTo>
+                  <a:pt x="220599" y="38608"/>
+                </a:lnTo>
+                <a:lnTo>
+                  <a:pt x="204469" y="47371"/>
+                </a:lnTo>
+                <a:lnTo>
+                  <a:pt x="188213" y="56007"/>
+                </a:lnTo>
+                <a:lnTo>
+                  <a:pt x="142112" y="88392"/>
+                </a:lnTo>
+                <a:lnTo>
+                  <a:pt x="100964" y="128143"/>
+                </a:lnTo>
+                <a:lnTo>
+                  <a:pt x="66039" y="171704"/>
+                </a:lnTo>
+                <a:lnTo>
+                  <a:pt x="38735" y="220218"/>
+                </a:lnTo>
+                <a:lnTo>
+                  <a:pt x="17399" y="273685"/>
+                </a:lnTo>
+                <a:lnTo>
+                  <a:pt x="7493" y="311023"/>
+                </a:lnTo>
+                <a:lnTo>
+                  <a:pt x="2540" y="349631"/>
+                </a:lnTo>
+                <a:lnTo>
+                  <a:pt x="0" y="369570"/>
+                </a:lnTo>
+                <a:lnTo>
+                  <a:pt x="0" y="409321"/>
+                </a:lnTo>
+                <a:lnTo>
+                  <a:pt x="2540" y="429260"/>
+                </a:lnTo>
+                <a:lnTo>
+                  <a:pt x="4953" y="449072"/>
+                </a:lnTo>
+                <a:lnTo>
+                  <a:pt x="17399" y="505079"/>
+                </a:lnTo>
+                <a:lnTo>
+                  <a:pt x="38735" y="558546"/>
+                </a:lnTo>
+                <a:lnTo>
+                  <a:pt x="66039" y="607060"/>
+                </a:lnTo>
+                <a:lnTo>
+                  <a:pt x="100964" y="650621"/>
+                </a:lnTo>
+                <a:lnTo>
+                  <a:pt x="128396" y="677926"/>
+                </a:lnTo>
+                <a:lnTo>
+                  <a:pt x="172085" y="712851"/>
+                </a:lnTo>
+                <a:lnTo>
+                  <a:pt x="220599" y="740156"/>
+                </a:lnTo>
+                <a:lnTo>
+                  <a:pt x="274193" y="761365"/>
+                </a:lnTo>
+                <a:lnTo>
+                  <a:pt x="311657" y="771271"/>
+                </a:lnTo>
+                <a:lnTo>
+                  <a:pt x="370205" y="778764"/>
+                </a:lnTo>
+                <a:lnTo>
+                  <a:pt x="410082" y="778764"/>
+                </a:lnTo>
+                <a:lnTo>
+                  <a:pt x="449961" y="773811"/>
+                </a:lnTo>
+                <a:lnTo>
+                  <a:pt x="506094" y="761365"/>
+                </a:lnTo>
+                <a:lnTo>
+                  <a:pt x="559562" y="740156"/>
+                </a:lnTo>
+                <a:lnTo>
+                  <a:pt x="608202" y="712851"/>
+                </a:lnTo>
+                <a:lnTo>
+                  <a:pt x="651891" y="677926"/>
+                </a:lnTo>
+                <a:lnTo>
+                  <a:pt x="679323" y="650621"/>
+                </a:lnTo>
+                <a:lnTo>
+                  <a:pt x="682664" y="646938"/>
+                </a:lnTo>
+                <a:lnTo>
+                  <a:pt x="390144" y="646938"/>
+                </a:lnTo>
+                <a:lnTo>
+                  <a:pt x="361442" y="645668"/>
+                </a:lnTo>
+                <a:lnTo>
+                  <a:pt x="306705" y="634492"/>
+                </a:lnTo>
+                <a:lnTo>
+                  <a:pt x="254254" y="613283"/>
+                </a:lnTo>
+                <a:lnTo>
+                  <a:pt x="206882" y="582168"/>
+                </a:lnTo>
+                <a:lnTo>
+                  <a:pt x="183261" y="558546"/>
+                </a:lnTo>
+                <a:lnTo>
+                  <a:pt x="180720" y="554863"/>
+                </a:lnTo>
+                <a:lnTo>
+                  <a:pt x="179450" y="549910"/>
+                </a:lnTo>
+                <a:lnTo>
+                  <a:pt x="178307" y="544830"/>
+                </a:lnTo>
+                <a:lnTo>
+                  <a:pt x="179450" y="541147"/>
+                </a:lnTo>
+                <a:lnTo>
+                  <a:pt x="180720" y="536194"/>
+                </a:lnTo>
+                <a:lnTo>
+                  <a:pt x="203200" y="520065"/>
+                </a:lnTo>
+                <a:lnTo>
+                  <a:pt x="757766" y="520065"/>
+                </a:lnTo>
+                <a:lnTo>
+                  <a:pt x="762762" y="505079"/>
+                </a:lnTo>
+                <a:lnTo>
+                  <a:pt x="767842" y="486410"/>
+                </a:lnTo>
+                <a:lnTo>
+                  <a:pt x="772794" y="467741"/>
+                </a:lnTo>
+                <a:lnTo>
+                  <a:pt x="775335" y="449072"/>
+                </a:lnTo>
+                <a:lnTo>
+                  <a:pt x="775938" y="444119"/>
+                </a:lnTo>
+                <a:lnTo>
+                  <a:pt x="230631" y="444119"/>
+                </a:lnTo>
+                <a:lnTo>
+                  <a:pt x="221869" y="442849"/>
+                </a:lnTo>
+                <a:lnTo>
+                  <a:pt x="189483" y="414274"/>
+                </a:lnTo>
+                <a:lnTo>
+                  <a:pt x="185800" y="395605"/>
+                </a:lnTo>
+                <a:lnTo>
+                  <a:pt x="186944" y="385699"/>
+                </a:lnTo>
+                <a:lnTo>
+                  <a:pt x="213106" y="350774"/>
+                </a:lnTo>
+                <a:lnTo>
+                  <a:pt x="230631" y="347091"/>
+                </a:lnTo>
+                <a:lnTo>
+                  <a:pt x="777440" y="347091"/>
+                </a:lnTo>
+                <a:lnTo>
+                  <a:pt x="775335" y="329692"/>
+                </a:lnTo>
+                <a:lnTo>
+                  <a:pt x="762762" y="273685"/>
+                </a:lnTo>
+                <a:lnTo>
+                  <a:pt x="741552" y="220218"/>
+                </a:lnTo>
+                <a:lnTo>
+                  <a:pt x="714248" y="171704"/>
+                </a:lnTo>
+                <a:lnTo>
+                  <a:pt x="679323" y="128143"/>
+                </a:lnTo>
+                <a:lnTo>
+                  <a:pt x="651891" y="100837"/>
+                </a:lnTo>
+                <a:lnTo>
+                  <a:pt x="608202" y="65912"/>
+                </a:lnTo>
+                <a:lnTo>
+                  <a:pt x="559562" y="38608"/>
+                </a:lnTo>
+                <a:lnTo>
+                  <a:pt x="506094" y="17525"/>
+                </a:lnTo>
+                <a:lnTo>
+                  <a:pt x="468630" y="7493"/>
+                </a:lnTo>
+                <a:lnTo>
+                  <a:pt x="410082" y="0"/>
+                </a:lnTo>
+                <a:close/>
+              </a:path>
+              <a:path w="780288" h="778764">
+                <a:moveTo>
+                  <a:pt x="757766" y="520065"/>
+                </a:moveTo>
+                <a:lnTo>
+                  <a:pt x="577088" y="520065"/>
+                </a:lnTo>
+                <a:lnTo>
+                  <a:pt x="582041" y="521208"/>
+                </a:lnTo>
+                <a:lnTo>
+                  <a:pt x="585851" y="522478"/>
+                </a:lnTo>
+                <a:lnTo>
+                  <a:pt x="600710" y="541147"/>
+                </a:lnTo>
+                <a:lnTo>
+                  <a:pt x="601980" y="544830"/>
+                </a:lnTo>
+                <a:lnTo>
+                  <a:pt x="600710" y="549910"/>
+                </a:lnTo>
+                <a:lnTo>
+                  <a:pt x="599567" y="554863"/>
+                </a:lnTo>
+                <a:lnTo>
+                  <a:pt x="597026" y="558546"/>
+                </a:lnTo>
+                <a:lnTo>
+                  <a:pt x="550926" y="599694"/>
+                </a:lnTo>
+                <a:lnTo>
+                  <a:pt x="501142" y="625729"/>
+                </a:lnTo>
+                <a:lnTo>
+                  <a:pt x="447420" y="641858"/>
+                </a:lnTo>
+                <a:lnTo>
+                  <a:pt x="390144" y="646938"/>
+                </a:lnTo>
+                <a:lnTo>
+                  <a:pt x="682664" y="646938"/>
+                </a:lnTo>
+                <a:lnTo>
+                  <a:pt x="714248" y="607060"/>
+                </a:lnTo>
+                <a:lnTo>
+                  <a:pt x="741552" y="558546"/>
+                </a:lnTo>
+                <a:lnTo>
+                  <a:pt x="756538" y="523748"/>
+                </a:lnTo>
+                <a:lnTo>
+                  <a:pt x="757766" y="520065"/>
+                </a:lnTo>
+                <a:close/>
+              </a:path>
+              <a:path w="780288" h="778764">
+                <a:moveTo>
+                  <a:pt x="577088" y="520065"/>
+                </a:moveTo>
+                <a:lnTo>
+                  <a:pt x="203200" y="520065"/>
+                </a:lnTo>
+                <a:lnTo>
+                  <a:pt x="208152" y="521208"/>
+                </a:lnTo>
+                <a:lnTo>
+                  <a:pt x="213106" y="522478"/>
+                </a:lnTo>
+                <a:lnTo>
+                  <a:pt x="216916" y="525018"/>
+                </a:lnTo>
+                <a:lnTo>
+                  <a:pt x="220599" y="527431"/>
+                </a:lnTo>
+                <a:lnTo>
+                  <a:pt x="239394" y="543687"/>
+                </a:lnTo>
+                <a:lnTo>
+                  <a:pt x="278002" y="569849"/>
+                </a:lnTo>
+                <a:lnTo>
+                  <a:pt x="320294" y="587248"/>
+                </a:lnTo>
+                <a:lnTo>
+                  <a:pt x="366521" y="595884"/>
+                </a:lnTo>
+                <a:lnTo>
+                  <a:pt x="390144" y="597154"/>
+                </a:lnTo>
+                <a:lnTo>
+                  <a:pt x="413766" y="595884"/>
+                </a:lnTo>
+                <a:lnTo>
+                  <a:pt x="459994" y="587248"/>
+                </a:lnTo>
+                <a:lnTo>
+                  <a:pt x="502285" y="569849"/>
+                </a:lnTo>
+                <a:lnTo>
+                  <a:pt x="540893" y="543687"/>
+                </a:lnTo>
+                <a:lnTo>
+                  <a:pt x="559562" y="527431"/>
+                </a:lnTo>
+                <a:lnTo>
+                  <a:pt x="563371" y="525018"/>
+                </a:lnTo>
+                <a:lnTo>
+                  <a:pt x="567182" y="522478"/>
+                </a:lnTo>
+                <a:lnTo>
+                  <a:pt x="572135" y="521208"/>
+                </a:lnTo>
+                <a:lnTo>
+                  <a:pt x="577088" y="520065"/>
+                </a:lnTo>
+                <a:close/>
+              </a:path>
+              <a:path w="780288" h="778764">
+                <a:moveTo>
+                  <a:pt x="549656" y="347091"/>
+                </a:moveTo>
+                <a:lnTo>
+                  <a:pt x="230631" y="347091"/>
+                </a:lnTo>
+                <a:lnTo>
+                  <a:pt x="239394" y="348361"/>
+                </a:lnTo>
+                <a:lnTo>
+                  <a:pt x="248031" y="350774"/>
+                </a:lnTo>
+                <a:lnTo>
+                  <a:pt x="255524" y="355854"/>
+                </a:lnTo>
+                <a:lnTo>
+                  <a:pt x="263017" y="360807"/>
+                </a:lnTo>
+                <a:lnTo>
+                  <a:pt x="267969" y="368300"/>
+                </a:lnTo>
+                <a:lnTo>
+                  <a:pt x="271780" y="376936"/>
+                </a:lnTo>
+                <a:lnTo>
+                  <a:pt x="274193" y="385699"/>
+                </a:lnTo>
+                <a:lnTo>
+                  <a:pt x="275463" y="395605"/>
+                </a:lnTo>
+                <a:lnTo>
+                  <a:pt x="274193" y="405638"/>
+                </a:lnTo>
+                <a:lnTo>
+                  <a:pt x="248031" y="440436"/>
+                </a:lnTo>
+                <a:lnTo>
+                  <a:pt x="230631" y="444119"/>
+                </a:lnTo>
+                <a:lnTo>
+                  <a:pt x="549656" y="444119"/>
+                </a:lnTo>
+                <a:lnTo>
+                  <a:pt x="512318" y="423037"/>
+                </a:lnTo>
+                <a:lnTo>
+                  <a:pt x="504825" y="395605"/>
+                </a:lnTo>
+                <a:lnTo>
+                  <a:pt x="506094" y="385699"/>
+                </a:lnTo>
+                <a:lnTo>
+                  <a:pt x="508507" y="376936"/>
+                </a:lnTo>
+                <a:lnTo>
+                  <a:pt x="512318" y="368300"/>
+                </a:lnTo>
+                <a:lnTo>
+                  <a:pt x="517270" y="360807"/>
+                </a:lnTo>
+                <a:lnTo>
+                  <a:pt x="524763" y="355854"/>
+                </a:lnTo>
+                <a:lnTo>
+                  <a:pt x="532257" y="350774"/>
+                </a:lnTo>
+                <a:lnTo>
+                  <a:pt x="540893" y="348361"/>
+                </a:lnTo>
+                <a:lnTo>
+                  <a:pt x="549656" y="347091"/>
+                </a:lnTo>
+                <a:close/>
+              </a:path>
+              <a:path w="780288" h="778764">
+                <a:moveTo>
+                  <a:pt x="777440" y="347091"/>
+                </a:moveTo>
+                <a:lnTo>
+                  <a:pt x="549656" y="347091"/>
+                </a:lnTo>
+                <a:lnTo>
+                  <a:pt x="558419" y="348361"/>
+                </a:lnTo>
+                <a:lnTo>
+                  <a:pt x="567182" y="350774"/>
+                </a:lnTo>
+                <a:lnTo>
+                  <a:pt x="593344" y="385699"/>
+                </a:lnTo>
+                <a:lnTo>
+                  <a:pt x="594487" y="395605"/>
+                </a:lnTo>
+                <a:lnTo>
+                  <a:pt x="593344" y="405638"/>
+                </a:lnTo>
+                <a:lnTo>
+                  <a:pt x="567182" y="440436"/>
+                </a:lnTo>
+                <a:lnTo>
+                  <a:pt x="549656" y="444119"/>
+                </a:lnTo>
+                <a:lnTo>
+                  <a:pt x="775938" y="444119"/>
+                </a:lnTo>
+                <a:lnTo>
+                  <a:pt x="777748" y="429260"/>
+                </a:lnTo>
+                <a:lnTo>
+                  <a:pt x="780288" y="409321"/>
+                </a:lnTo>
+                <a:lnTo>
+                  <a:pt x="780288" y="369570"/>
+                </a:lnTo>
+                <a:lnTo>
+                  <a:pt x="777748" y="349631"/>
+                </a:lnTo>
+                <a:lnTo>
+                  <a:pt x="777440" y="347091"/>
+                </a:lnTo>
+                <a:close/>
+              </a:path>
+            </a:pathLst>
+          </a:custGeom>
+          <a:solidFill>
+            <a:srgbClr val="FFFFFF"/>
+          </a:solidFill>
+        </p:spPr>
+        <p:txBody>
+          <a:bodyPr wrap="square" lIns="0" tIns="0" rIns="0" bIns="0" rtlCol="0">
+            <a:noAutofit/>
+          </a:bodyPr>
+          <a:lstStyle/>
+          <a:p>
+            <a:endParaRPr/>
+          </a:p>
+        </p:txBody>
+      </p:sp>
+    </p:spTree>
+  </p:cSld>
+  <p:clrMapOvr>
+    <a:masterClrMapping/>
+  </p:clrMapOvr>
+</p:sld>
+</file>
+
 <file path=ppt/slides/slide3.xml><?xml version="1.0" encoding="utf-8"?>
 <p:sld xmlns:a="http://schemas.openxmlformats.org/drawingml/2006/main" xmlns:r="http://schemas.openxmlformats.org/officeDocument/2006/relationships" xmlns:p="http://schemas.openxmlformats.org/presentationml/2006/main">
   <p:cSld>
@@ -16073,13 +16762,13 @@
         </p:nvSpPr>
         <p:spPr>
           <a:xfrm>
-            <a:off x="607640" y="1196752"/>
-            <a:ext cx="7924800" cy="3733800"/>
+            <a:off x="894904" y="1562224"/>
+            <a:ext cx="7484368" cy="3024969"/>
           </a:xfrm>
         </p:spPr>
         <p:txBody>
           <a:bodyPr>
-            <a:normAutofit fontScale="92500" lnSpcReduction="10000"/>
+            <a:normAutofit fontScale="92500" lnSpcReduction="20000"/>
           </a:bodyPr>
           <a:lstStyle/>
           <a:p>
@@ -16112,7 +16801,7 @@
                 <a:latin typeface="Arial" pitchFamily="34" charset="0"/>
                 <a:cs typeface="Arial" pitchFamily="34" charset="0"/>
               </a:rPr>
-              <a:t>matriz o lista anidada</a:t>
+              <a:t>matriz </a:t>
             </a:r>
             <a:r>
               <a:rPr lang="es-ES_tradnl" sz="2400" dirty="0">
@@ -16124,7 +16813,7 @@
                 <a:latin typeface="Arial" pitchFamily="34" charset="0"/>
                 <a:cs typeface="Arial" pitchFamily="34" charset="0"/>
               </a:rPr>
-              <a:t> también es una colección de localidades asociadas a un nombre, sólo que los datos se organizan en </a:t>
+              <a:t>también es una colección de localidades asociadas a un nombre, sólo que los datos se organizan en </a:t>
             </a:r>
             <a:r>
               <a:rPr lang="es-ES_tradnl" sz="2400" b="1" dirty="0">
@@ -16274,7 +16963,7 @@
         </p:nvGrpSpPr>
         <p:grpSpPr bwMode="auto">
           <a:xfrm>
-            <a:off x="4823272" y="3212976"/>
+            <a:off x="4837117" y="3573016"/>
             <a:ext cx="3556000" cy="2616200"/>
             <a:chOff x="3232" y="2384"/>
             <a:chExt cx="2240" cy="1648"/>
@@ -20088,7 +20777,7 @@
         </p:nvSpPr>
         <p:spPr>
           <a:xfrm>
-            <a:off x="683568" y="1340768"/>
+            <a:off x="827584" y="980728"/>
             <a:ext cx="7776864" cy="3891835"/>
           </a:xfrm>
           <a:prstGeom prst="rect">
@@ -20708,6 +21397,42 @@
           </a:p>
         </p:txBody>
       </p:sp>
+      <p:pic>
+        <p:nvPicPr>
+          <p:cNvPr id="6" name="Imagen 5" descr="Calendario&#10;&#10;Descripción generada automáticamente">
+            <a:extLst>
+              <a:ext uri="{FF2B5EF4-FFF2-40B4-BE49-F238E27FC236}">
+                <a16:creationId xmlns:a16="http://schemas.microsoft.com/office/drawing/2014/main" id="{15ABA04D-6760-4C24-9786-EB0DF1F8C1EC}"/>
+              </a:ext>
+            </a:extLst>
+          </p:cNvPr>
+          <p:cNvPicPr>
+            <a:picLocks noChangeAspect="1"/>
+          </p:cNvPicPr>
+          <p:nvPr/>
+        </p:nvPicPr>
+        <p:blipFill>
+          <a:blip r:embed="rId3">
+            <a:extLst>
+              <a:ext uri="{28A0092B-C50C-407E-A947-70E740481C1C}">
+                <a14:useLocalDpi xmlns:a14="http://schemas.microsoft.com/office/drawing/2010/main" val="0"/>
+              </a:ext>
+            </a:extLst>
+          </a:blip>
+          <a:stretch>
+            <a:fillRect/>
+          </a:stretch>
+        </p:blipFill>
+        <p:spPr>
+          <a:xfrm>
+            <a:off x="5796136" y="3681689"/>
+            <a:ext cx="2009775" cy="1914525"/>
+          </a:xfrm>
+          <a:prstGeom prst="rect">
+            <a:avLst/>
+          </a:prstGeom>
+        </p:spPr>
+      </p:pic>
     </p:spTree>
     <p:extLst>
       <p:ext uri="{BB962C8B-B14F-4D97-AF65-F5344CB8AC3E}">
@@ -21523,7 +22248,7 @@
           <p:nvPr>
             <p:extLst>
               <p:ext uri="{D42A27DB-BD31-4B8C-83A1-F6EECF244321}">
-                <p14:modId xmlns:p14="http://schemas.microsoft.com/office/powerpoint/2010/main" val="2209513094"/>
+                <p14:modId xmlns:p14="http://schemas.microsoft.com/office/powerpoint/2010/main" val="2723038700"/>
               </p:ext>
             </p:extLst>
           </p:nvPr>

--- a/CalendarioAgo2022/presentaciones/21_Matrices.pptx
+++ b/CalendarioAgo2022/presentaciones/21_Matrices.pptx
@@ -227,7 +227,7 @@
           <a:p>
             <a:fld id="{9CE7A054-6D4F-4ED4-B3E7-62AC408CF793}" type="datetimeFigureOut">
               <a:rPr lang="es-MX" smtClean="0"/>
-              <a:t>07/09/2022</a:t>
+              <a:t>08/09/2022</a:t>
             </a:fld>
             <a:endParaRPr lang="es-MX"/>
           </a:p>
@@ -1600,7 +1600,7 @@
           <a:p>
             <a:fld id="{05B1B184-8162-40A9-BCCC-182276235E4C}" type="datetimeFigureOut">
               <a:rPr lang="es-MX" smtClean="0"/>
-              <a:t>07/09/2022</a:t>
+              <a:t>08/09/2022</a:t>
             </a:fld>
             <a:endParaRPr lang="es-MX"/>
           </a:p>
@@ -1770,7 +1770,7 @@
           <a:p>
             <a:fld id="{05B1B184-8162-40A9-BCCC-182276235E4C}" type="datetimeFigureOut">
               <a:rPr lang="es-MX" smtClean="0"/>
-              <a:t>07/09/2022</a:t>
+              <a:t>08/09/2022</a:t>
             </a:fld>
             <a:endParaRPr lang="es-MX"/>
           </a:p>
@@ -1950,7 +1950,7 @@
           <a:p>
             <a:fld id="{05B1B184-8162-40A9-BCCC-182276235E4C}" type="datetimeFigureOut">
               <a:rPr lang="es-MX" smtClean="0"/>
-              <a:t>07/09/2022</a:t>
+              <a:t>08/09/2022</a:t>
             </a:fld>
             <a:endParaRPr lang="es-MX"/>
           </a:p>
@@ -2103,7 +2103,7 @@
           <a:p>
             <a:fld id="{1D8BD707-D9CF-40AE-B4C6-C98DA3205C09}" type="datetimeFigureOut">
               <a:rPr lang="en-US" smtClean="0"/>
-              <a:t>9/7/2022</a:t>
+              <a:t>9/8/2022</a:t>
             </a:fld>
             <a:endParaRPr lang="en-US"/>
           </a:p>
@@ -2263,7 +2263,7 @@
           <a:p>
             <a:fld id="{05B1B184-8162-40A9-BCCC-182276235E4C}" type="datetimeFigureOut">
               <a:rPr lang="es-MX" smtClean="0"/>
-              <a:t>07/09/2022</a:t>
+              <a:t>08/09/2022</a:t>
             </a:fld>
             <a:endParaRPr lang="es-MX"/>
           </a:p>
@@ -2509,7 +2509,7 @@
           <a:p>
             <a:fld id="{05B1B184-8162-40A9-BCCC-182276235E4C}" type="datetimeFigureOut">
               <a:rPr lang="es-MX" smtClean="0"/>
-              <a:t>07/09/2022</a:t>
+              <a:t>08/09/2022</a:t>
             </a:fld>
             <a:endParaRPr lang="es-MX"/>
           </a:p>
@@ -2797,7 +2797,7 @@
           <a:p>
             <a:fld id="{05B1B184-8162-40A9-BCCC-182276235E4C}" type="datetimeFigureOut">
               <a:rPr lang="es-MX" smtClean="0"/>
-              <a:t>07/09/2022</a:t>
+              <a:t>08/09/2022</a:t>
             </a:fld>
             <a:endParaRPr lang="es-MX"/>
           </a:p>
@@ -3219,7 +3219,7 @@
           <a:p>
             <a:fld id="{05B1B184-8162-40A9-BCCC-182276235E4C}" type="datetimeFigureOut">
               <a:rPr lang="es-MX" smtClean="0"/>
-              <a:t>07/09/2022</a:t>
+              <a:t>08/09/2022</a:t>
             </a:fld>
             <a:endParaRPr lang="es-MX"/>
           </a:p>
@@ -3337,7 +3337,7 @@
           <a:p>
             <a:fld id="{05B1B184-8162-40A9-BCCC-182276235E4C}" type="datetimeFigureOut">
               <a:rPr lang="es-MX" smtClean="0"/>
-              <a:t>07/09/2022</a:t>
+              <a:t>08/09/2022</a:t>
             </a:fld>
             <a:endParaRPr lang="es-MX"/>
           </a:p>
@@ -3432,7 +3432,7 @@
           <a:p>
             <a:fld id="{05B1B184-8162-40A9-BCCC-182276235E4C}" type="datetimeFigureOut">
               <a:rPr lang="es-MX" smtClean="0"/>
-              <a:t>07/09/2022</a:t>
+              <a:t>08/09/2022</a:t>
             </a:fld>
             <a:endParaRPr lang="es-MX"/>
           </a:p>
@@ -3709,7 +3709,7 @@
           <a:p>
             <a:fld id="{05B1B184-8162-40A9-BCCC-182276235E4C}" type="datetimeFigureOut">
               <a:rPr lang="es-MX" smtClean="0"/>
-              <a:t>07/09/2022</a:t>
+              <a:t>08/09/2022</a:t>
             </a:fld>
             <a:endParaRPr lang="es-MX"/>
           </a:p>
@@ -3962,7 +3962,7 @@
           <a:p>
             <a:fld id="{05B1B184-8162-40A9-BCCC-182276235E4C}" type="datetimeFigureOut">
               <a:rPr lang="es-MX" smtClean="0"/>
-              <a:t>07/09/2022</a:t>
+              <a:t>08/09/2022</a:t>
             </a:fld>
             <a:endParaRPr lang="es-MX"/>
           </a:p>
@@ -4175,7 +4175,7 @@
           <a:p>
             <a:fld id="{05B1B184-8162-40A9-BCCC-182276235E4C}" type="datetimeFigureOut">
               <a:rPr lang="es-MX" smtClean="0"/>
-              <a:t>07/09/2022</a:t>
+              <a:t>08/09/2022</a:t>
             </a:fld>
             <a:endParaRPr lang="es-MX"/>
           </a:p>
@@ -6494,7 +6494,7 @@
         <p:spPr>
           <a:xfrm>
             <a:off x="760040" y="1581594"/>
-            <a:ext cx="7560840" cy="2664296"/>
+            <a:ext cx="7844408" cy="2664296"/>
           </a:xfrm>
         </p:spPr>
         <p:txBody>
@@ -6657,7 +6657,7 @@
                 <a:effectLst/>
                 <a:latin typeface="Courier New" panose="02070309020205020404" pitchFamily="49" charset="0"/>
               </a:rPr>
-              <a:t>([</a:t>
+              <a:t>([[</a:t>
             </a:r>
             <a:r>
               <a:rPr lang="es-MX" sz="2000" b="1" dirty="0">
@@ -6837,7 +6837,7 @@
                 <a:effectLst/>
                 <a:latin typeface="Courier New" panose="02070309020205020404" pitchFamily="49" charset="0"/>
               </a:rPr>
-              <a:t>])</a:t>
+              <a:t>]])</a:t>
             </a:r>
           </a:p>
           <a:p>
@@ -20875,7 +20875,7 @@
                 </a:solidFill>
                 <a:effectLst/>
               </a:rPr>
-              <a:t>([1, 2, 3, 4], [5, 6, 7, 8], [9, 10, 11, 12])</a:t>
+              <a:t>([[1, 2, 3, 4], [5, 6, 7, 8], [9, 10, 11, 12]])</a:t>
             </a:r>
           </a:p>
           <a:p>
@@ -21695,7 +21695,7 @@
                 </a:solidFill>
                 <a:effectLst/>
               </a:rPr>
-              <a:t>([1, 2, 3, 4], [5, 6, 7, 8], [9, 10, 11, 12])</a:t>
+              <a:t>([[1, 2, 3, 4], [5, 6, 7, 8], [9, 10, 11, 12]])</a:t>
             </a:r>
           </a:p>
           <a:p>
